--- a/diagram/图例.pptx
+++ b/diagram/图例.pptx
@@ -7,12 +7,13 @@
   <p:sldIdLst>
     <p:sldId id="256" r:id="rId3"/>
     <p:sldId id="257" r:id="rId4"/>
-    <p:sldId id="258" r:id="rId5"/>
-    <p:sldId id="259" r:id="rId6"/>
-    <p:sldId id="260" r:id="rId7"/>
-    <p:sldId id="261" r:id="rId8"/>
-    <p:sldId id="262" r:id="rId9"/>
-    <p:sldId id="263" r:id="rId10"/>
+    <p:sldId id="264" r:id="rId5"/>
+    <p:sldId id="258" r:id="rId6"/>
+    <p:sldId id="259" r:id="rId7"/>
+    <p:sldId id="260" r:id="rId8"/>
+    <p:sldId id="261" r:id="rId9"/>
+    <p:sldId id="262" r:id="rId10"/>
+    <p:sldId id="263" r:id="rId11"/>
   </p:sldIdLst>
   <p:sldSz cx="12192000" cy="6858000"/>
   <p:notesSz cx="6858000" cy="9144000"/>
@@ -3743,6 +3744,1586 @@
         <p:nvPr/>
       </p:nvGrpSpPr>
       <p:grpSpPr/>
+      <p:cxnSp>
+        <p:nvCxnSpPr>
+          <p:cNvPr id="19" name="直接箭头连接符 18"/>
+          <p:cNvCxnSpPr/>
+          <p:nvPr/>
+        </p:nvCxnSpPr>
+        <p:spPr>
+          <a:xfrm>
+            <a:off x="1762125" y="2926715"/>
+            <a:ext cx="2769235" cy="0"/>
+          </a:xfrm>
+          <a:prstGeom prst="straightConnector1">
+            <a:avLst/>
+          </a:prstGeom>
+          <a:ln w="19050">
+            <a:solidFill>
+              <a:schemeClr val="bg2">
+                <a:lumMod val="75000"/>
+              </a:schemeClr>
+            </a:solidFill>
+            <a:prstDash val="sysDash"/>
+            <a:tailEnd type="arrow"/>
+          </a:ln>
+        </p:spPr>
+        <p:style>
+          <a:lnRef idx="1">
+            <a:schemeClr val="accent1"/>
+          </a:lnRef>
+          <a:fillRef idx="0">
+            <a:schemeClr val="accent1"/>
+          </a:fillRef>
+          <a:effectRef idx="0">
+            <a:schemeClr val="accent1"/>
+          </a:effectRef>
+          <a:fontRef idx="minor">
+            <a:schemeClr val="tx1"/>
+          </a:fontRef>
+        </p:style>
+      </p:cxnSp>
+      <p:sp>
+        <p:nvSpPr>
+          <p:cNvPr id="2" name="流程图: 磁盘 1"/>
+          <p:cNvSpPr/>
+          <p:nvPr/>
+        </p:nvSpPr>
+        <p:spPr>
+          <a:xfrm>
+            <a:off x="9460865" y="2505710"/>
+            <a:ext cx="1221740" cy="1512000"/>
+          </a:xfrm>
+          <a:prstGeom prst="flowChartMagneticDisk">
+            <a:avLst/>
+          </a:prstGeom>
+          <a:solidFill>
+            <a:schemeClr val="accent6">
+              <a:lumMod val="20000"/>
+              <a:lumOff val="80000"/>
+            </a:schemeClr>
+          </a:solidFill>
+          <a:ln>
+            <a:solidFill>
+              <a:schemeClr val="tx1"/>
+            </a:solidFill>
+          </a:ln>
+        </p:spPr>
+        <p:style>
+          <a:lnRef idx="2">
+            <a:schemeClr val="accent1">
+              <a:shade val="50000"/>
+            </a:schemeClr>
+          </a:lnRef>
+          <a:fillRef idx="1">
+            <a:schemeClr val="accent1"/>
+          </a:fillRef>
+          <a:effectRef idx="0">
+            <a:schemeClr val="accent1"/>
+          </a:effectRef>
+          <a:fontRef idx="minor">
+            <a:schemeClr val="lt1"/>
+          </a:fontRef>
+        </p:style>
+        <p:txBody>
+          <a:bodyPr rtlCol="0" anchor="ctr"/>
+          <a:p>
+            <a:pPr algn="ctr"/>
+            <a:r>
+              <a:rPr lang="zh-CN" altLang="en-US" sz="1600">
+                <a:solidFill>
+                  <a:schemeClr val="tx1"/>
+                </a:solidFill>
+              </a:rPr>
+              <a:t>数据库</a:t>
+            </a:r>
+            <a:endParaRPr lang="zh-CN" altLang="en-US">
+              <a:solidFill>
+                <a:schemeClr val="tx1"/>
+              </a:solidFill>
+            </a:endParaRPr>
+          </a:p>
+        </p:txBody>
+      </p:sp>
+      <p:sp>
+        <p:nvSpPr>
+          <p:cNvPr id="4" name="矩形 3"/>
+          <p:cNvSpPr/>
+          <p:nvPr/>
+        </p:nvSpPr>
+        <p:spPr>
+          <a:xfrm>
+            <a:off x="4531360" y="2505710"/>
+            <a:ext cx="864000" cy="1511935"/>
+          </a:xfrm>
+          <a:prstGeom prst="rect">
+            <a:avLst/>
+          </a:prstGeom>
+          <a:solidFill>
+            <a:schemeClr val="accent2">
+              <a:lumMod val="20000"/>
+              <a:lumOff val="80000"/>
+            </a:schemeClr>
+          </a:solidFill>
+          <a:ln>
+            <a:solidFill>
+              <a:schemeClr val="tx1"/>
+            </a:solidFill>
+          </a:ln>
+        </p:spPr>
+        <p:style>
+          <a:lnRef idx="2">
+            <a:schemeClr val="accent1">
+              <a:shade val="50000"/>
+            </a:schemeClr>
+          </a:lnRef>
+          <a:fillRef idx="1">
+            <a:schemeClr val="accent1"/>
+          </a:fillRef>
+          <a:effectRef idx="0">
+            <a:schemeClr val="accent1"/>
+          </a:effectRef>
+          <a:fontRef idx="minor">
+            <a:schemeClr val="lt1"/>
+          </a:fontRef>
+        </p:style>
+        <p:txBody>
+          <a:bodyPr vertOverflow="overflow" horzOverflow="overflow" vert="horz" wrap="square" numCol="1" spcCol="0" rtlCol="0" fromWordArt="0" anchor="ctr" anchorCtr="0" forceAA="0" compatLnSpc="1">
+            <a:noAutofit/>
+          </a:bodyPr>
+          <a:p>
+            <a:pPr lvl="0" algn="ctr">
+              <a:buClrTx/>
+              <a:buSzTx/>
+              <a:buFontTx/>
+            </a:pPr>
+            <a:r>
+              <a:rPr lang="zh-CN" altLang="en-US" sz="1600">
+                <a:solidFill>
+                  <a:schemeClr val="tx1"/>
+                </a:solidFill>
+                <a:sym typeface="+mn-ea"/>
+              </a:rPr>
+              <a:t>动态</a:t>
+            </a:r>
+            <a:r>
+              <a:rPr lang="zh-CN" altLang="en-US">
+                <a:solidFill>
+                  <a:schemeClr val="tx1"/>
+                </a:solidFill>
+                <a:sym typeface="+mn-ea"/>
+              </a:rPr>
+              <a:t>脱敏</a:t>
+            </a:r>
+            <a:endParaRPr lang="zh-CN" altLang="en-US">
+              <a:solidFill>
+                <a:schemeClr val="tx1"/>
+              </a:solidFill>
+              <a:sym typeface="+mn-ea"/>
+            </a:endParaRPr>
+          </a:p>
+        </p:txBody>
+      </p:sp>
+      <p:sp>
+        <p:nvSpPr>
+          <p:cNvPr id="5" name="矩形 4"/>
+          <p:cNvSpPr/>
+          <p:nvPr/>
+        </p:nvSpPr>
+        <p:spPr>
+          <a:xfrm>
+            <a:off x="897890" y="2505710"/>
+            <a:ext cx="864000" cy="1511935"/>
+          </a:xfrm>
+          <a:prstGeom prst="rect">
+            <a:avLst/>
+          </a:prstGeom>
+          <a:solidFill>
+            <a:schemeClr val="accent4">
+              <a:lumMod val="20000"/>
+              <a:lumOff val="80000"/>
+            </a:schemeClr>
+          </a:solidFill>
+          <a:ln>
+            <a:solidFill>
+              <a:schemeClr val="tx1"/>
+            </a:solidFill>
+          </a:ln>
+        </p:spPr>
+        <p:style>
+          <a:lnRef idx="2">
+            <a:schemeClr val="accent1">
+              <a:shade val="50000"/>
+            </a:schemeClr>
+          </a:lnRef>
+          <a:fillRef idx="1">
+            <a:schemeClr val="accent1"/>
+          </a:fillRef>
+          <a:effectRef idx="0">
+            <a:schemeClr val="accent1"/>
+          </a:effectRef>
+          <a:fontRef idx="minor">
+            <a:schemeClr val="lt1"/>
+          </a:fontRef>
+        </p:style>
+        <p:txBody>
+          <a:bodyPr vertOverflow="overflow" horzOverflow="overflow" vert="horz" wrap="square" numCol="1" spcCol="0" rtlCol="0" fromWordArt="0" anchor="ctr" anchorCtr="0" forceAA="0" compatLnSpc="1">
+            <a:noAutofit/>
+          </a:bodyPr>
+          <a:p>
+            <a:pPr lvl="0" algn="ctr">
+              <a:buClrTx/>
+              <a:buSzTx/>
+              <a:buFontTx/>
+            </a:pPr>
+            <a:r>
+              <a:rPr lang="zh-CN" altLang="en-US" sz="1600">
+                <a:solidFill>
+                  <a:schemeClr val="tx1"/>
+                </a:solidFill>
+                <a:sym typeface="+mn-ea"/>
+              </a:rPr>
+              <a:t>客户端</a:t>
+            </a:r>
+            <a:endParaRPr lang="zh-CN" altLang="en-US" sz="1600">
+              <a:solidFill>
+                <a:schemeClr val="tx1"/>
+              </a:solidFill>
+              <a:sym typeface="+mn-ea"/>
+            </a:endParaRPr>
+          </a:p>
+        </p:txBody>
+      </p:sp>
+      <p:pic>
+        <p:nvPicPr>
+          <p:cNvPr id="15" name="图片 14"/>
+          <p:cNvPicPr>
+            <a:picLocks noChangeAspect="1"/>
+          </p:cNvPicPr>
+          <p:nvPr/>
+        </p:nvPicPr>
+        <p:blipFill>
+          <a:blip r:embed="rId1"/>
+          <a:stretch>
+            <a:fillRect/>
+          </a:stretch>
+        </p:blipFill>
+        <p:spPr>
+          <a:xfrm>
+            <a:off x="5859145" y="717550"/>
+            <a:ext cx="3312795" cy="2019300"/>
+          </a:xfrm>
+          <a:prstGeom prst="rect">
+            <a:avLst/>
+          </a:prstGeom>
+        </p:spPr>
+      </p:pic>
+      <p:pic>
+        <p:nvPicPr>
+          <p:cNvPr id="16" name="图片 15"/>
+          <p:cNvPicPr>
+            <a:picLocks noChangeAspect="1"/>
+          </p:cNvPicPr>
+          <p:nvPr/>
+        </p:nvPicPr>
+        <p:blipFill>
+          <a:blip r:embed="rId2"/>
+          <a:stretch>
+            <a:fillRect/>
+          </a:stretch>
+        </p:blipFill>
+        <p:spPr>
+          <a:xfrm>
+            <a:off x="1927225" y="2396490"/>
+            <a:ext cx="2438400" cy="259080"/>
+          </a:xfrm>
+          <a:prstGeom prst="rect">
+            <a:avLst/>
+          </a:prstGeom>
+        </p:spPr>
+      </p:pic>
+      <p:sp>
+        <p:nvSpPr>
+          <p:cNvPr id="17" name="流程图: 磁盘 16"/>
+          <p:cNvSpPr/>
+          <p:nvPr/>
+        </p:nvSpPr>
+        <p:spPr>
+          <a:xfrm>
+            <a:off x="4462780" y="4730750"/>
+            <a:ext cx="1009650" cy="999490"/>
+          </a:xfrm>
+          <a:prstGeom prst="flowChartMagneticDisk">
+            <a:avLst/>
+          </a:prstGeom>
+          <a:solidFill>
+            <a:schemeClr val="accent6">
+              <a:lumMod val="20000"/>
+              <a:lumOff val="80000"/>
+            </a:schemeClr>
+          </a:solidFill>
+          <a:ln>
+            <a:solidFill>
+              <a:schemeClr val="tx1"/>
+            </a:solidFill>
+          </a:ln>
+        </p:spPr>
+        <p:style>
+          <a:lnRef idx="2">
+            <a:schemeClr val="accent1">
+              <a:shade val="50000"/>
+            </a:schemeClr>
+          </a:lnRef>
+          <a:fillRef idx="1">
+            <a:schemeClr val="accent1"/>
+          </a:fillRef>
+          <a:effectRef idx="0">
+            <a:schemeClr val="accent1"/>
+          </a:effectRef>
+          <a:fontRef idx="minor">
+            <a:schemeClr val="lt1"/>
+          </a:fontRef>
+        </p:style>
+        <p:txBody>
+          <a:bodyPr rtlCol="0" anchor="ctr"/>
+          <a:p>
+            <a:pPr algn="ctr"/>
+            <a:r>
+              <a:rPr lang="zh-CN" altLang="en-US" sz="1600">
+                <a:solidFill>
+                  <a:schemeClr val="tx1"/>
+                </a:solidFill>
+              </a:rPr>
+              <a:t>脱敏规则</a:t>
+            </a:r>
+            <a:endParaRPr lang="zh-CN" altLang="en-US" sz="1600">
+              <a:solidFill>
+                <a:schemeClr val="tx1"/>
+              </a:solidFill>
+            </a:endParaRPr>
+          </a:p>
+        </p:txBody>
+      </p:sp>
+      <p:graphicFrame>
+        <p:nvGraphicFramePr>
+          <p:cNvPr id="18" name="表格 17"/>
+          <p:cNvGraphicFramePr/>
+          <p:nvPr>
+            <p:custDataLst>
+              <p:tags r:id="rId3"/>
+            </p:custDataLst>
+          </p:nvPr>
+        </p:nvGraphicFramePr>
+        <p:xfrm>
+          <a:off x="2095500" y="3704145"/>
+          <a:ext cx="2176145" cy="1097280"/>
+        </p:xfrm>
+        <a:graphic>
+          <a:graphicData uri="http://schemas.openxmlformats.org/drawingml/2006/table">
+            <a:tbl>
+              <a:tblPr firstRow="1" bandRow="1">
+                <a:tableStyleId>{5C22544A-7EE6-4342-B048-85BDC9FD1C3A}</a:tableStyleId>
+              </a:tblPr>
+              <a:tblGrid>
+                <a:gridCol w="812800"/>
+                <a:gridCol w="1363345"/>
+              </a:tblGrid>
+              <a:tr h="365760">
+                <a:tc>
+                  <a:txBody>
+                    <a:bodyPr/>
+                    <a:p>
+                      <a:pPr algn="ctr">
+                        <a:buNone/>
+                      </a:pPr>
+                      <a:r>
+                        <a:rPr lang="en-US" altLang="zh-CN">
+                          <a:latin typeface="方正舒体" panose="02010601030101010101" charset="-122"/>
+                          <a:ea typeface="方正舒体" panose="02010601030101010101" charset="-122"/>
+                        </a:rPr>
+                        <a:t>name</a:t>
+                      </a:r>
+                      <a:endParaRPr lang="en-US" altLang="zh-CN">
+                        <a:latin typeface="方正舒体" panose="02010601030101010101" charset="-122"/>
+                        <a:ea typeface="方正舒体" panose="02010601030101010101" charset="-122"/>
+                      </a:endParaRPr>
+                    </a:p>
+                  </a:txBody>
+                  <a:tcPr/>
+                </a:tc>
+                <a:tc>
+                  <a:txBody>
+                    <a:bodyPr/>
+                    <a:p>
+                      <a:pPr algn="ctr">
+                        <a:buNone/>
+                      </a:pPr>
+                      <a:r>
+                        <a:rPr lang="en-US" altLang="zh-CN">
+                          <a:latin typeface="方正舒体" panose="02010601030101010101" charset="-122"/>
+                          <a:ea typeface="方正舒体" panose="02010601030101010101" charset="-122"/>
+                        </a:rPr>
+                        <a:t>phone</a:t>
+                      </a:r>
+                      <a:endParaRPr lang="en-US" altLang="zh-CN">
+                        <a:latin typeface="方正舒体" panose="02010601030101010101" charset="-122"/>
+                        <a:ea typeface="方正舒体" panose="02010601030101010101" charset="-122"/>
+                      </a:endParaRPr>
+                    </a:p>
+                  </a:txBody>
+                  <a:tcPr/>
+                </a:tc>
+              </a:tr>
+              <a:tr h="365760">
+                <a:tc>
+                  <a:txBody>
+                    <a:bodyPr/>
+                    <a:p>
+                      <a:pPr>
+                        <a:buNone/>
+                      </a:pPr>
+                      <a:r>
+                        <a:rPr lang="zh-CN" altLang="en-US">
+                          <a:latin typeface="方正舒体" panose="02010601030101010101" charset="-122"/>
+                          <a:ea typeface="方正舒体" panose="02010601030101010101" charset="-122"/>
+                          <a:cs typeface="方正舒体" panose="02010601030101010101" charset="-122"/>
+                        </a:rPr>
+                        <a:t>邓</a:t>
+                      </a:r>
+                      <a:r>
+                        <a:rPr lang="en-US" altLang="zh-CN">
+                          <a:latin typeface="方正舒体" panose="02010601030101010101" charset="-122"/>
+                          <a:ea typeface="方正舒体" panose="02010601030101010101" charset="-122"/>
+                          <a:cs typeface="方正舒体" panose="02010601030101010101" charset="-122"/>
+                        </a:rPr>
+                        <a:t>**</a:t>
+                      </a:r>
+                      <a:endParaRPr lang="en-US" altLang="zh-CN">
+                        <a:latin typeface="方正舒体" panose="02010601030101010101" charset="-122"/>
+                        <a:ea typeface="方正舒体" panose="02010601030101010101" charset="-122"/>
+                        <a:cs typeface="方正舒体" panose="02010601030101010101" charset="-122"/>
+                      </a:endParaRPr>
+                    </a:p>
+                  </a:txBody>
+                  <a:tcPr/>
+                </a:tc>
+                <a:tc>
+                  <a:txBody>
+                    <a:bodyPr/>
+                    <a:p>
+                      <a:pPr>
+                        <a:buNone/>
+                      </a:pPr>
+                      <a:r>
+                        <a:rPr lang="en-US" altLang="zh-CN">
+                          <a:latin typeface="方正舒体" panose="02010601030101010101" charset="-122"/>
+                          <a:ea typeface="方正舒体" panose="02010601030101010101" charset="-122"/>
+                        </a:rPr>
+                        <a:t>131*****268</a:t>
+                      </a:r>
+                      <a:endParaRPr lang="en-US" altLang="zh-CN">
+                        <a:latin typeface="方正舒体" panose="02010601030101010101" charset="-122"/>
+                        <a:ea typeface="方正舒体" panose="02010601030101010101" charset="-122"/>
+                      </a:endParaRPr>
+                    </a:p>
+                  </a:txBody>
+                  <a:tcPr/>
+                </a:tc>
+              </a:tr>
+              <a:tr h="365760">
+                <a:tc>
+                  <a:txBody>
+                    <a:bodyPr/>
+                    <a:p>
+                      <a:pPr>
+                        <a:buNone/>
+                      </a:pPr>
+                      <a:r>
+                        <a:rPr lang="zh-CN" altLang="en-US">
+                          <a:latin typeface="方正舒体" panose="02010601030101010101" charset="-122"/>
+                          <a:ea typeface="方正舒体" panose="02010601030101010101" charset="-122"/>
+                          <a:cs typeface="方正舒体" panose="02010601030101010101" charset="-122"/>
+                        </a:rPr>
+                        <a:t>孙</a:t>
+                      </a:r>
+                      <a:r>
+                        <a:rPr lang="en-US" altLang="zh-CN">
+                          <a:latin typeface="方正舒体" panose="02010601030101010101" charset="-122"/>
+                          <a:ea typeface="方正舒体" panose="02010601030101010101" charset="-122"/>
+                          <a:cs typeface="方正舒体" panose="02010601030101010101" charset="-122"/>
+                        </a:rPr>
+                        <a:t>**</a:t>
+                      </a:r>
+                      <a:endParaRPr lang="en-US" altLang="zh-CN">
+                        <a:latin typeface="方正舒体" panose="02010601030101010101" charset="-122"/>
+                        <a:ea typeface="方正舒体" panose="02010601030101010101" charset="-122"/>
+                        <a:cs typeface="方正舒体" panose="02010601030101010101" charset="-122"/>
+                      </a:endParaRPr>
+                    </a:p>
+                  </a:txBody>
+                  <a:tcPr/>
+                </a:tc>
+                <a:tc>
+                  <a:txBody>
+                    <a:bodyPr/>
+                    <a:p>
+                      <a:pPr>
+                        <a:buNone/>
+                      </a:pPr>
+                      <a:r>
+                        <a:rPr lang="en-US" altLang="zh-CN">
+                          <a:latin typeface="方正舒体" panose="02010601030101010101" charset="-122"/>
+                          <a:ea typeface="方正舒体" panose="02010601030101010101" charset="-122"/>
+                        </a:rPr>
+                        <a:t>155*****326</a:t>
+                      </a:r>
+                      <a:endParaRPr lang="en-US" altLang="zh-CN">
+                        <a:latin typeface="方正舒体" panose="02010601030101010101" charset="-122"/>
+                        <a:ea typeface="方正舒体" panose="02010601030101010101" charset="-122"/>
+                      </a:endParaRPr>
+                    </a:p>
+                  </a:txBody>
+                  <a:tcPr/>
+                </a:tc>
+              </a:tr>
+            </a:tbl>
+          </a:graphicData>
+        </a:graphic>
+      </p:graphicFrame>
+      <p:cxnSp>
+        <p:nvCxnSpPr>
+          <p:cNvPr id="20" name="直接箭头连接符 19"/>
+          <p:cNvCxnSpPr>
+            <a:stCxn id="4" idx="2"/>
+            <a:endCxn id="17" idx="1"/>
+          </p:cNvCxnSpPr>
+          <p:nvPr/>
+        </p:nvCxnSpPr>
+        <p:spPr>
+          <a:xfrm>
+            <a:off x="4963795" y="4017645"/>
+            <a:ext cx="3810" cy="713105"/>
+          </a:xfrm>
+          <a:prstGeom prst="straightConnector1">
+            <a:avLst/>
+          </a:prstGeom>
+          <a:ln w="19050">
+            <a:solidFill>
+              <a:schemeClr val="bg2">
+                <a:lumMod val="75000"/>
+              </a:schemeClr>
+            </a:solidFill>
+            <a:prstDash val="sysDash"/>
+            <a:tailEnd type="arrow"/>
+          </a:ln>
+        </p:spPr>
+        <p:style>
+          <a:lnRef idx="1">
+            <a:schemeClr val="accent1"/>
+          </a:lnRef>
+          <a:fillRef idx="0">
+            <a:schemeClr val="accent1"/>
+          </a:fillRef>
+          <a:effectRef idx="0">
+            <a:schemeClr val="accent1"/>
+          </a:effectRef>
+          <a:fontRef idx="minor">
+            <a:schemeClr val="tx1"/>
+          </a:fontRef>
+        </p:style>
+      </p:cxnSp>
+      <p:cxnSp>
+        <p:nvCxnSpPr>
+          <p:cNvPr id="21" name="直接箭头连接符 20"/>
+          <p:cNvCxnSpPr/>
+          <p:nvPr/>
+        </p:nvCxnSpPr>
+        <p:spPr>
+          <a:xfrm>
+            <a:off x="5395595" y="2926715"/>
+            <a:ext cx="4065270" cy="0"/>
+          </a:xfrm>
+          <a:prstGeom prst="straightConnector1">
+            <a:avLst/>
+          </a:prstGeom>
+          <a:ln w="19050">
+            <a:solidFill>
+              <a:schemeClr val="bg2">
+                <a:lumMod val="75000"/>
+              </a:schemeClr>
+            </a:solidFill>
+            <a:prstDash val="sysDash"/>
+            <a:tailEnd type="arrow"/>
+          </a:ln>
+        </p:spPr>
+        <p:style>
+          <a:lnRef idx="1">
+            <a:schemeClr val="accent1"/>
+          </a:lnRef>
+          <a:fillRef idx="0">
+            <a:schemeClr val="accent1"/>
+          </a:fillRef>
+          <a:effectRef idx="0">
+            <a:schemeClr val="accent1"/>
+          </a:effectRef>
+          <a:fontRef idx="minor">
+            <a:schemeClr val="tx1"/>
+          </a:fontRef>
+        </p:style>
+      </p:cxnSp>
+      <p:sp>
+        <p:nvSpPr>
+          <p:cNvPr id="22" name="椭圆 21"/>
+          <p:cNvSpPr/>
+          <p:nvPr/>
+        </p:nvSpPr>
+        <p:spPr>
+          <a:xfrm>
+            <a:off x="2729865" y="2653030"/>
+            <a:ext cx="210820" cy="224790"/>
+          </a:xfrm>
+          <a:prstGeom prst="ellipse">
+            <a:avLst/>
+          </a:prstGeom>
+          <a:noFill/>
+          <a:ln>
+            <a:solidFill>
+              <a:srgbClr val="FF0000"/>
+            </a:solidFill>
+          </a:ln>
+        </p:spPr>
+        <p:style>
+          <a:lnRef idx="2">
+            <a:schemeClr val="accent1">
+              <a:shade val="50000"/>
+            </a:schemeClr>
+          </a:lnRef>
+          <a:fillRef idx="1">
+            <a:schemeClr val="accent1"/>
+          </a:fillRef>
+          <a:effectRef idx="0">
+            <a:schemeClr val="accent1"/>
+          </a:effectRef>
+          <a:fontRef idx="minor">
+            <a:schemeClr val="lt1"/>
+          </a:fontRef>
+        </p:style>
+        <p:txBody>
+          <a:bodyPr rtlCol="0" anchor="ctr"/>
+          <a:p>
+            <a:pPr algn="ctr"/>
+            <a:r>
+              <a:rPr lang="en-US" altLang="zh-CN" sz="1400">
+                <a:solidFill>
+                  <a:schemeClr val="tx1"/>
+                </a:solidFill>
+              </a:rPr>
+              <a:t>1</a:t>
+            </a:r>
+            <a:endParaRPr lang="en-US" altLang="zh-CN" sz="1400">
+              <a:solidFill>
+                <a:schemeClr val="tx1"/>
+              </a:solidFill>
+            </a:endParaRPr>
+          </a:p>
+        </p:txBody>
+      </p:sp>
+      <p:sp>
+        <p:nvSpPr>
+          <p:cNvPr id="23" name="椭圆 22"/>
+          <p:cNvSpPr/>
+          <p:nvPr/>
+        </p:nvSpPr>
+        <p:spPr>
+          <a:xfrm>
+            <a:off x="4709795" y="4210050"/>
+            <a:ext cx="210820" cy="224790"/>
+          </a:xfrm>
+          <a:prstGeom prst="ellipse">
+            <a:avLst/>
+          </a:prstGeom>
+          <a:noFill/>
+          <a:ln>
+            <a:solidFill>
+              <a:srgbClr val="FF0000"/>
+            </a:solidFill>
+          </a:ln>
+        </p:spPr>
+        <p:style>
+          <a:lnRef idx="2">
+            <a:schemeClr val="accent1">
+              <a:shade val="50000"/>
+            </a:schemeClr>
+          </a:lnRef>
+          <a:fillRef idx="1">
+            <a:schemeClr val="accent1"/>
+          </a:fillRef>
+          <a:effectRef idx="0">
+            <a:schemeClr val="accent1"/>
+          </a:effectRef>
+          <a:fontRef idx="minor">
+            <a:schemeClr val="lt1"/>
+          </a:fontRef>
+        </p:style>
+        <p:txBody>
+          <a:bodyPr rtlCol="0" anchor="ctr"/>
+          <a:p>
+            <a:pPr algn="ctr"/>
+            <a:r>
+              <a:rPr lang="en-US" altLang="zh-CN" sz="1400">
+                <a:solidFill>
+                  <a:schemeClr val="tx1"/>
+                </a:solidFill>
+              </a:rPr>
+              <a:t>2</a:t>
+            </a:r>
+            <a:endParaRPr lang="en-US" altLang="zh-CN" sz="1400">
+              <a:solidFill>
+                <a:schemeClr val="tx1"/>
+              </a:solidFill>
+            </a:endParaRPr>
+          </a:p>
+        </p:txBody>
+      </p:sp>
+      <p:sp>
+        <p:nvSpPr>
+          <p:cNvPr id="24" name="椭圆 23"/>
+          <p:cNvSpPr/>
+          <p:nvPr/>
+        </p:nvSpPr>
+        <p:spPr>
+          <a:xfrm>
+            <a:off x="7103745" y="2653030"/>
+            <a:ext cx="210820" cy="224790"/>
+          </a:xfrm>
+          <a:prstGeom prst="ellipse">
+            <a:avLst/>
+          </a:prstGeom>
+          <a:noFill/>
+          <a:ln>
+            <a:solidFill>
+              <a:srgbClr val="FF0000"/>
+            </a:solidFill>
+          </a:ln>
+        </p:spPr>
+        <p:style>
+          <a:lnRef idx="2">
+            <a:schemeClr val="accent1">
+              <a:shade val="50000"/>
+            </a:schemeClr>
+          </a:lnRef>
+          <a:fillRef idx="1">
+            <a:schemeClr val="accent1"/>
+          </a:fillRef>
+          <a:effectRef idx="0">
+            <a:schemeClr val="accent1"/>
+          </a:effectRef>
+          <a:fontRef idx="minor">
+            <a:schemeClr val="lt1"/>
+          </a:fontRef>
+        </p:style>
+        <p:txBody>
+          <a:bodyPr rtlCol="0" anchor="ctr"/>
+          <a:p>
+            <a:pPr algn="ctr"/>
+            <a:r>
+              <a:rPr lang="en-US" altLang="zh-CN" sz="1400">
+                <a:solidFill>
+                  <a:schemeClr val="tx1"/>
+                </a:solidFill>
+              </a:rPr>
+              <a:t>3</a:t>
+            </a:r>
+            <a:endParaRPr lang="en-US" altLang="zh-CN" sz="1400">
+              <a:solidFill>
+                <a:schemeClr val="tx1"/>
+              </a:solidFill>
+            </a:endParaRPr>
+          </a:p>
+        </p:txBody>
+      </p:sp>
+      <p:graphicFrame>
+        <p:nvGraphicFramePr>
+          <p:cNvPr id="27" name="表格 26"/>
+          <p:cNvGraphicFramePr/>
+          <p:nvPr>
+            <p:custDataLst>
+              <p:tags r:id="rId4"/>
+            </p:custDataLst>
+          </p:nvPr>
+        </p:nvGraphicFramePr>
+        <p:xfrm>
+          <a:off x="9129034" y="4236181"/>
+          <a:ext cx="2994025" cy="1097280"/>
+        </p:xfrm>
+        <a:graphic>
+          <a:graphicData uri="http://schemas.openxmlformats.org/drawingml/2006/table">
+            <a:tbl>
+              <a:tblPr firstRow="1" bandRow="1">
+                <a:tableStyleId>{5C22544A-7EE6-4342-B048-85BDC9FD1C3A}</a:tableStyleId>
+              </a:tblPr>
+              <a:tblGrid>
+                <a:gridCol w="628015"/>
+                <a:gridCol w="883285"/>
+                <a:gridCol w="1482725"/>
+              </a:tblGrid>
+              <a:tr h="365760">
+                <a:tc>
+                  <a:txBody>
+                    <a:bodyPr/>
+                    <a:p>
+                      <a:pPr algn="ctr">
+                        <a:buNone/>
+                      </a:pPr>
+                      <a:r>
+                        <a:rPr lang="en-US" altLang="zh-CN">
+                          <a:solidFill>
+                            <a:schemeClr val="tx1"/>
+                          </a:solidFill>
+                          <a:latin typeface="方正舒体" panose="02010601030101010101" charset="-122"/>
+                          <a:ea typeface="方正舒体" panose="02010601030101010101" charset="-122"/>
+                        </a:rPr>
+                        <a:t>id</a:t>
+                      </a:r>
+                      <a:endParaRPr lang="en-US" altLang="zh-CN">
+                        <a:solidFill>
+                          <a:schemeClr val="tx1"/>
+                        </a:solidFill>
+                        <a:latin typeface="方正舒体" panose="02010601030101010101" charset="-122"/>
+                        <a:ea typeface="方正舒体" panose="02010601030101010101" charset="-122"/>
+                      </a:endParaRPr>
+                    </a:p>
+                  </a:txBody>
+                  <a:tcPr>
+                    <a:solidFill>
+                      <a:schemeClr val="accent6">
+                        <a:lumMod val="20000"/>
+                        <a:lumOff val="80000"/>
+                      </a:schemeClr>
+                    </a:solidFill>
+                  </a:tcPr>
+                </a:tc>
+                <a:tc>
+                  <a:txBody>
+                    <a:bodyPr/>
+                    <a:p>
+                      <a:pPr algn="ctr">
+                        <a:buNone/>
+                      </a:pPr>
+                      <a:r>
+                        <a:rPr lang="en-US" altLang="zh-CN">
+                          <a:solidFill>
+                            <a:schemeClr val="tx1"/>
+                          </a:solidFill>
+                          <a:latin typeface="方正舒体" panose="02010601030101010101" charset="-122"/>
+                          <a:ea typeface="方正舒体" panose="02010601030101010101" charset="-122"/>
+                        </a:rPr>
+                        <a:t>name</a:t>
+                      </a:r>
+                      <a:endParaRPr lang="en-US" altLang="zh-CN">
+                        <a:solidFill>
+                          <a:schemeClr val="tx1"/>
+                        </a:solidFill>
+                        <a:latin typeface="方正舒体" panose="02010601030101010101" charset="-122"/>
+                        <a:ea typeface="方正舒体" panose="02010601030101010101" charset="-122"/>
+                      </a:endParaRPr>
+                    </a:p>
+                  </a:txBody>
+                  <a:tcPr>
+                    <a:solidFill>
+                      <a:schemeClr val="accent6">
+                        <a:lumMod val="20000"/>
+                        <a:lumOff val="80000"/>
+                      </a:schemeClr>
+                    </a:solidFill>
+                  </a:tcPr>
+                </a:tc>
+                <a:tc>
+                  <a:txBody>
+                    <a:bodyPr/>
+                    <a:p>
+                      <a:pPr algn="ctr">
+                        <a:buNone/>
+                      </a:pPr>
+                      <a:r>
+                        <a:rPr lang="en-US" altLang="zh-CN">
+                          <a:solidFill>
+                            <a:schemeClr val="tx1"/>
+                          </a:solidFill>
+                          <a:latin typeface="方正舒体" panose="02010601030101010101" charset="-122"/>
+                          <a:ea typeface="方正舒体" panose="02010601030101010101" charset="-122"/>
+                        </a:rPr>
+                        <a:t>phone</a:t>
+                      </a:r>
+                      <a:endParaRPr lang="en-US" altLang="zh-CN">
+                        <a:solidFill>
+                          <a:schemeClr val="tx1"/>
+                        </a:solidFill>
+                        <a:latin typeface="方正舒体" panose="02010601030101010101" charset="-122"/>
+                        <a:ea typeface="方正舒体" panose="02010601030101010101" charset="-122"/>
+                      </a:endParaRPr>
+                    </a:p>
+                  </a:txBody>
+                  <a:tcPr>
+                    <a:solidFill>
+                      <a:schemeClr val="accent6">
+                        <a:lumMod val="20000"/>
+                        <a:lumOff val="80000"/>
+                      </a:schemeClr>
+                    </a:solidFill>
+                  </a:tcPr>
+                </a:tc>
+              </a:tr>
+              <a:tr h="365760">
+                <a:tc>
+                  <a:txBody>
+                    <a:bodyPr/>
+                    <a:p>
+                      <a:pPr>
+                        <a:buNone/>
+                      </a:pPr>
+                      <a:r>
+                        <a:rPr lang="en-US" altLang="zh-CN">
+                          <a:gradFill>
+                            <a:gsLst>
+                              <a:gs pos="0">
+                                <a:srgbClr val="14CD68"/>
+                              </a:gs>
+                              <a:gs pos="100000">
+                                <a:srgbClr val="0B6E38"/>
+                              </a:gs>
+                            </a:gsLst>
+                            <a:lin scaled="0"/>
+                          </a:gradFill>
+                          <a:latin typeface="方正舒体" panose="02010601030101010101" charset="-122"/>
+                          <a:ea typeface="方正舒体" panose="02010601030101010101" charset="-122"/>
+                        </a:rPr>
+                        <a:t>101</a:t>
+                      </a:r>
+                      <a:endParaRPr lang="en-US" altLang="zh-CN">
+                        <a:gradFill>
+                          <a:gsLst>
+                            <a:gs pos="0">
+                              <a:srgbClr val="14CD68"/>
+                            </a:gs>
+                            <a:gs pos="100000">
+                              <a:srgbClr val="0B6E38"/>
+                            </a:gs>
+                          </a:gsLst>
+                          <a:lin scaled="0"/>
+                        </a:gradFill>
+                        <a:latin typeface="方正舒体" panose="02010601030101010101" charset="-122"/>
+                        <a:ea typeface="方正舒体" panose="02010601030101010101" charset="-122"/>
+                      </a:endParaRPr>
+                    </a:p>
+                  </a:txBody>
+                  <a:tcPr/>
+                </a:tc>
+                <a:tc>
+                  <a:txBody>
+                    <a:bodyPr/>
+                    <a:p>
+                      <a:pPr>
+                        <a:buNone/>
+                      </a:pPr>
+                      <a:r>
+                        <a:rPr lang="zh-CN" altLang="en-US">
+                          <a:gradFill>
+                            <a:gsLst>
+                              <a:gs pos="0">
+                                <a:srgbClr val="14CD68"/>
+                              </a:gs>
+                              <a:gs pos="100000">
+                                <a:srgbClr val="0B6E38"/>
+                              </a:gs>
+                            </a:gsLst>
+                            <a:lin scaled="0"/>
+                          </a:gradFill>
+                          <a:latin typeface="方正舒体" panose="02010601030101010101" charset="-122"/>
+                          <a:ea typeface="方正舒体" panose="02010601030101010101" charset="-122"/>
+                        </a:rPr>
+                        <a:t>邓紫棋</a:t>
+                      </a:r>
+                      <a:endParaRPr lang="zh-CN" altLang="en-US">
+                        <a:gradFill>
+                          <a:gsLst>
+                            <a:gs pos="0">
+                              <a:srgbClr val="14CD68"/>
+                            </a:gs>
+                            <a:gs pos="100000">
+                              <a:srgbClr val="0B6E38"/>
+                            </a:gs>
+                          </a:gsLst>
+                          <a:lin scaled="0"/>
+                        </a:gradFill>
+                        <a:latin typeface="方正舒体" panose="02010601030101010101" charset="-122"/>
+                        <a:ea typeface="方正舒体" panose="02010601030101010101" charset="-122"/>
+                      </a:endParaRPr>
+                    </a:p>
+                  </a:txBody>
+                  <a:tcPr/>
+                </a:tc>
+                <a:tc>
+                  <a:txBody>
+                    <a:bodyPr/>
+                    <a:p>
+                      <a:pPr>
+                        <a:buNone/>
+                      </a:pPr>
+                      <a:r>
+                        <a:rPr lang="en-US" altLang="zh-CN">
+                          <a:gradFill>
+                            <a:gsLst>
+                              <a:gs pos="0">
+                                <a:srgbClr val="14CD68"/>
+                              </a:gs>
+                              <a:gs pos="100000">
+                                <a:srgbClr val="0B6E38"/>
+                              </a:gs>
+                            </a:gsLst>
+                            <a:lin scaled="0"/>
+                          </a:gradFill>
+                          <a:latin typeface="方正舒体" panose="02010601030101010101" charset="-122"/>
+                          <a:ea typeface="方正舒体" panose="02010601030101010101" charset="-122"/>
+                        </a:rPr>
+                        <a:t>13191285268</a:t>
+                      </a:r>
+                      <a:endParaRPr lang="en-US" altLang="zh-CN">
+                        <a:gradFill>
+                          <a:gsLst>
+                            <a:gs pos="0">
+                              <a:srgbClr val="14CD68"/>
+                            </a:gs>
+                            <a:gs pos="100000">
+                              <a:srgbClr val="0B6E38"/>
+                            </a:gs>
+                          </a:gsLst>
+                          <a:lin scaled="0"/>
+                        </a:gradFill>
+                        <a:latin typeface="方正舒体" panose="02010601030101010101" charset="-122"/>
+                        <a:ea typeface="方正舒体" panose="02010601030101010101" charset="-122"/>
+                      </a:endParaRPr>
+                    </a:p>
+                  </a:txBody>
+                  <a:tcPr/>
+                </a:tc>
+              </a:tr>
+              <a:tr h="365760">
+                <a:tc>
+                  <a:txBody>
+                    <a:bodyPr/>
+                    <a:p>
+                      <a:pPr>
+                        <a:buNone/>
+                      </a:pPr>
+                      <a:r>
+                        <a:rPr lang="en-US" altLang="zh-CN">
+                          <a:gradFill>
+                            <a:gsLst>
+                              <a:gs pos="0">
+                                <a:srgbClr val="14CD68"/>
+                              </a:gs>
+                              <a:gs pos="100000">
+                                <a:srgbClr val="0B6E38"/>
+                              </a:gs>
+                            </a:gsLst>
+                            <a:lin scaled="0"/>
+                          </a:gradFill>
+                          <a:latin typeface="方正舒体" panose="02010601030101010101" charset="-122"/>
+                          <a:ea typeface="方正舒体" panose="02010601030101010101" charset="-122"/>
+                        </a:rPr>
+                        <a:t>102</a:t>
+                      </a:r>
+                      <a:endParaRPr lang="en-US" altLang="zh-CN">
+                        <a:gradFill>
+                          <a:gsLst>
+                            <a:gs pos="0">
+                              <a:srgbClr val="14CD68"/>
+                            </a:gs>
+                            <a:gs pos="100000">
+                              <a:srgbClr val="0B6E38"/>
+                            </a:gs>
+                          </a:gsLst>
+                          <a:lin scaled="0"/>
+                        </a:gradFill>
+                        <a:latin typeface="方正舒体" panose="02010601030101010101" charset="-122"/>
+                        <a:ea typeface="方正舒体" panose="02010601030101010101" charset="-122"/>
+                      </a:endParaRPr>
+                    </a:p>
+                  </a:txBody>
+                  <a:tcPr/>
+                </a:tc>
+                <a:tc>
+                  <a:txBody>
+                    <a:bodyPr/>
+                    <a:p>
+                      <a:pPr>
+                        <a:buNone/>
+                      </a:pPr>
+                      <a:r>
+                        <a:rPr lang="zh-CN" altLang="en-US">
+                          <a:gradFill>
+                            <a:gsLst>
+                              <a:gs pos="0">
+                                <a:srgbClr val="14CD68"/>
+                              </a:gs>
+                              <a:gs pos="100000">
+                                <a:srgbClr val="0B6E38"/>
+                              </a:gs>
+                            </a:gsLst>
+                            <a:lin scaled="0"/>
+                          </a:gradFill>
+                          <a:latin typeface="方正舒体" panose="02010601030101010101" charset="-122"/>
+                          <a:ea typeface="方正舒体" panose="02010601030101010101" charset="-122"/>
+                        </a:rPr>
+                        <a:t>孙燕姿</a:t>
+                      </a:r>
+                      <a:endParaRPr lang="zh-CN" altLang="en-US">
+                        <a:gradFill>
+                          <a:gsLst>
+                            <a:gs pos="0">
+                              <a:srgbClr val="14CD68"/>
+                            </a:gs>
+                            <a:gs pos="100000">
+                              <a:srgbClr val="0B6E38"/>
+                            </a:gs>
+                          </a:gsLst>
+                          <a:lin scaled="0"/>
+                        </a:gradFill>
+                        <a:latin typeface="方正舒体" panose="02010601030101010101" charset="-122"/>
+                        <a:ea typeface="方正舒体" panose="02010601030101010101" charset="-122"/>
+                      </a:endParaRPr>
+                    </a:p>
+                  </a:txBody>
+                  <a:tcPr/>
+                </a:tc>
+                <a:tc>
+                  <a:txBody>
+                    <a:bodyPr/>
+                    <a:p>
+                      <a:pPr>
+                        <a:buNone/>
+                      </a:pPr>
+                      <a:r>
+                        <a:rPr lang="en-US" altLang="zh-CN">
+                          <a:gradFill>
+                            <a:gsLst>
+                              <a:gs pos="0">
+                                <a:srgbClr val="14CD68"/>
+                              </a:gs>
+                              <a:gs pos="100000">
+                                <a:srgbClr val="0B6E38"/>
+                              </a:gs>
+                            </a:gsLst>
+                            <a:lin scaled="0"/>
+                          </a:gradFill>
+                          <a:latin typeface="方正舒体" panose="02010601030101010101" charset="-122"/>
+                          <a:ea typeface="方正舒体" panose="02010601030101010101" charset="-122"/>
+                        </a:rPr>
+                        <a:t>15519825326</a:t>
+                      </a:r>
+                      <a:endParaRPr lang="en-US" altLang="zh-CN">
+                        <a:gradFill>
+                          <a:gsLst>
+                            <a:gs pos="0">
+                              <a:srgbClr val="14CD68"/>
+                            </a:gs>
+                            <a:gs pos="100000">
+                              <a:srgbClr val="0B6E38"/>
+                            </a:gs>
+                          </a:gsLst>
+                          <a:lin scaled="0"/>
+                        </a:gradFill>
+                        <a:latin typeface="方正舒体" panose="02010601030101010101" charset="-122"/>
+                        <a:ea typeface="方正舒体" panose="02010601030101010101" charset="-122"/>
+                      </a:endParaRPr>
+                    </a:p>
+                  </a:txBody>
+                  <a:tcPr/>
+                </a:tc>
+              </a:tr>
+            </a:tbl>
+          </a:graphicData>
+        </a:graphic>
+      </p:graphicFrame>
+      <p:graphicFrame>
+        <p:nvGraphicFramePr>
+          <p:cNvPr id="30" name="表格 29"/>
+          <p:cNvGraphicFramePr/>
+          <p:nvPr>
+            <p:custDataLst>
+              <p:tags r:id="rId5"/>
+            </p:custDataLst>
+          </p:nvPr>
+        </p:nvGraphicFramePr>
+        <p:xfrm>
+          <a:off x="6300470" y="3733355"/>
+          <a:ext cx="2176145" cy="1097280"/>
+        </p:xfrm>
+        <a:graphic>
+          <a:graphicData uri="http://schemas.openxmlformats.org/drawingml/2006/table">
+            <a:tbl>
+              <a:tblPr firstRow="1" bandRow="1">
+                <a:tableStyleId>{5C22544A-7EE6-4342-B048-85BDC9FD1C3A}</a:tableStyleId>
+              </a:tblPr>
+              <a:tblGrid>
+                <a:gridCol w="812800"/>
+                <a:gridCol w="1363345"/>
+              </a:tblGrid>
+              <a:tr h="365760">
+                <a:tc>
+                  <a:txBody>
+                    <a:bodyPr/>
+                    <a:p>
+                      <a:pPr algn="ctr">
+                        <a:buNone/>
+                      </a:pPr>
+                      <a:r>
+                        <a:rPr lang="en-US" altLang="zh-CN">
+                          <a:latin typeface="方正舒体" panose="02010601030101010101" charset="-122"/>
+                          <a:ea typeface="方正舒体" panose="02010601030101010101" charset="-122"/>
+                        </a:rPr>
+                        <a:t>name</a:t>
+                      </a:r>
+                      <a:endParaRPr lang="en-US" altLang="zh-CN">
+                        <a:latin typeface="方正舒体" panose="02010601030101010101" charset="-122"/>
+                        <a:ea typeface="方正舒体" panose="02010601030101010101" charset="-122"/>
+                      </a:endParaRPr>
+                    </a:p>
+                  </a:txBody>
+                  <a:tcPr/>
+                </a:tc>
+                <a:tc>
+                  <a:txBody>
+                    <a:bodyPr/>
+                    <a:p>
+                      <a:pPr algn="ctr">
+                        <a:buNone/>
+                      </a:pPr>
+                      <a:r>
+                        <a:rPr lang="en-US" altLang="zh-CN">
+                          <a:latin typeface="方正舒体" panose="02010601030101010101" charset="-122"/>
+                          <a:ea typeface="方正舒体" panose="02010601030101010101" charset="-122"/>
+                        </a:rPr>
+                        <a:t>phone</a:t>
+                      </a:r>
+                      <a:endParaRPr lang="en-US" altLang="zh-CN">
+                        <a:latin typeface="方正舒体" panose="02010601030101010101" charset="-122"/>
+                        <a:ea typeface="方正舒体" panose="02010601030101010101" charset="-122"/>
+                      </a:endParaRPr>
+                    </a:p>
+                  </a:txBody>
+                  <a:tcPr/>
+                </a:tc>
+              </a:tr>
+              <a:tr h="365760">
+                <a:tc>
+                  <a:txBody>
+                    <a:bodyPr/>
+                    <a:p>
+                      <a:pPr>
+                        <a:buNone/>
+                      </a:pPr>
+                      <a:r>
+                        <a:rPr lang="zh-CN" altLang="en-US">
+                          <a:latin typeface="方正舒体" panose="02010601030101010101" charset="-122"/>
+                          <a:ea typeface="方正舒体" panose="02010601030101010101" charset="-122"/>
+                          <a:cs typeface="方正舒体" panose="02010601030101010101" charset="-122"/>
+                        </a:rPr>
+                        <a:t>邓</a:t>
+                      </a:r>
+                      <a:r>
+                        <a:rPr lang="en-US" altLang="zh-CN">
+                          <a:latin typeface="方正舒体" panose="02010601030101010101" charset="-122"/>
+                          <a:ea typeface="方正舒体" panose="02010601030101010101" charset="-122"/>
+                          <a:cs typeface="方正舒体" panose="02010601030101010101" charset="-122"/>
+                        </a:rPr>
+                        <a:t>**</a:t>
+                      </a:r>
+                      <a:endParaRPr lang="en-US" altLang="zh-CN">
+                        <a:latin typeface="方正舒体" panose="02010601030101010101" charset="-122"/>
+                        <a:ea typeface="方正舒体" panose="02010601030101010101" charset="-122"/>
+                        <a:cs typeface="方正舒体" panose="02010601030101010101" charset="-122"/>
+                      </a:endParaRPr>
+                    </a:p>
+                  </a:txBody>
+                  <a:tcPr/>
+                </a:tc>
+                <a:tc>
+                  <a:txBody>
+                    <a:bodyPr/>
+                    <a:p>
+                      <a:pPr>
+                        <a:buNone/>
+                      </a:pPr>
+                      <a:r>
+                        <a:rPr lang="en-US" altLang="zh-CN">
+                          <a:latin typeface="方正舒体" panose="02010601030101010101" charset="-122"/>
+                          <a:ea typeface="方正舒体" panose="02010601030101010101" charset="-122"/>
+                        </a:rPr>
+                        <a:t>131*****268</a:t>
+                      </a:r>
+                      <a:endParaRPr lang="en-US" altLang="zh-CN">
+                        <a:latin typeface="方正舒体" panose="02010601030101010101" charset="-122"/>
+                        <a:ea typeface="方正舒体" panose="02010601030101010101" charset="-122"/>
+                      </a:endParaRPr>
+                    </a:p>
+                  </a:txBody>
+                  <a:tcPr/>
+                </a:tc>
+              </a:tr>
+              <a:tr h="365760">
+                <a:tc>
+                  <a:txBody>
+                    <a:bodyPr/>
+                    <a:p>
+                      <a:pPr>
+                        <a:buNone/>
+                      </a:pPr>
+                      <a:r>
+                        <a:rPr lang="zh-CN" altLang="en-US">
+                          <a:latin typeface="方正舒体" panose="02010601030101010101" charset="-122"/>
+                          <a:ea typeface="方正舒体" panose="02010601030101010101" charset="-122"/>
+                          <a:cs typeface="方正舒体" panose="02010601030101010101" charset="-122"/>
+                        </a:rPr>
+                        <a:t>孙</a:t>
+                      </a:r>
+                      <a:r>
+                        <a:rPr lang="en-US" altLang="zh-CN">
+                          <a:latin typeface="方正舒体" panose="02010601030101010101" charset="-122"/>
+                          <a:ea typeface="方正舒体" panose="02010601030101010101" charset="-122"/>
+                          <a:cs typeface="方正舒体" panose="02010601030101010101" charset="-122"/>
+                        </a:rPr>
+                        <a:t>**</a:t>
+                      </a:r>
+                      <a:endParaRPr lang="en-US" altLang="zh-CN">
+                        <a:latin typeface="方正舒体" panose="02010601030101010101" charset="-122"/>
+                        <a:ea typeface="方正舒体" panose="02010601030101010101" charset="-122"/>
+                        <a:cs typeface="方正舒体" panose="02010601030101010101" charset="-122"/>
+                      </a:endParaRPr>
+                    </a:p>
+                  </a:txBody>
+                  <a:tcPr/>
+                </a:tc>
+                <a:tc>
+                  <a:txBody>
+                    <a:bodyPr/>
+                    <a:p>
+                      <a:pPr>
+                        <a:buNone/>
+                      </a:pPr>
+                      <a:r>
+                        <a:rPr lang="en-US" altLang="zh-CN">
+                          <a:latin typeface="方正舒体" panose="02010601030101010101" charset="-122"/>
+                          <a:ea typeface="方正舒体" panose="02010601030101010101" charset="-122"/>
+                        </a:rPr>
+                        <a:t>155*****326</a:t>
+                      </a:r>
+                      <a:endParaRPr lang="en-US" altLang="zh-CN">
+                        <a:latin typeface="方正舒体" panose="02010601030101010101" charset="-122"/>
+                        <a:ea typeface="方正舒体" panose="02010601030101010101" charset="-122"/>
+                      </a:endParaRPr>
+                    </a:p>
+                  </a:txBody>
+                  <a:tcPr/>
+                </a:tc>
+              </a:tr>
+            </a:tbl>
+          </a:graphicData>
+        </a:graphic>
+      </p:graphicFrame>
+      <p:cxnSp>
+        <p:nvCxnSpPr>
+          <p:cNvPr id="31" name="直接箭头连接符 30"/>
+          <p:cNvCxnSpPr/>
+          <p:nvPr/>
+        </p:nvCxnSpPr>
+        <p:spPr>
+          <a:xfrm flipH="1">
+            <a:off x="5417820" y="3526790"/>
+            <a:ext cx="4022090" cy="0"/>
+          </a:xfrm>
+          <a:prstGeom prst="straightConnector1">
+            <a:avLst/>
+          </a:prstGeom>
+          <a:ln w="19050">
+            <a:solidFill>
+              <a:schemeClr val="bg2">
+                <a:lumMod val="75000"/>
+              </a:schemeClr>
+            </a:solidFill>
+            <a:prstDash val="sysDash"/>
+            <a:tailEnd type="arrow"/>
+          </a:ln>
+        </p:spPr>
+        <p:style>
+          <a:lnRef idx="1">
+            <a:schemeClr val="accent1"/>
+          </a:lnRef>
+          <a:fillRef idx="0">
+            <a:schemeClr val="accent1"/>
+          </a:fillRef>
+          <a:effectRef idx="0">
+            <a:schemeClr val="accent1"/>
+          </a:effectRef>
+          <a:fontRef idx="minor">
+            <a:schemeClr val="tx1"/>
+          </a:fontRef>
+        </p:style>
+      </p:cxnSp>
+      <p:cxnSp>
+        <p:nvCxnSpPr>
+          <p:cNvPr id="32" name="直接箭头连接符 31"/>
+          <p:cNvCxnSpPr/>
+          <p:nvPr/>
+        </p:nvCxnSpPr>
+        <p:spPr>
+          <a:xfrm flipH="1">
+            <a:off x="1767840" y="3528000"/>
+            <a:ext cx="2751455" cy="0"/>
+          </a:xfrm>
+          <a:prstGeom prst="straightConnector1">
+            <a:avLst/>
+          </a:prstGeom>
+          <a:ln w="19050">
+            <a:solidFill>
+              <a:schemeClr val="bg2">
+                <a:lumMod val="75000"/>
+              </a:schemeClr>
+            </a:solidFill>
+            <a:prstDash val="sysDash"/>
+            <a:tailEnd type="arrow"/>
+          </a:ln>
+        </p:spPr>
+        <p:style>
+          <a:lnRef idx="1">
+            <a:schemeClr val="accent1"/>
+          </a:lnRef>
+          <a:fillRef idx="0">
+            <a:schemeClr val="accent1"/>
+          </a:fillRef>
+          <a:effectRef idx="0">
+            <a:schemeClr val="accent1"/>
+          </a:effectRef>
+          <a:fontRef idx="minor">
+            <a:schemeClr val="tx1"/>
+          </a:fontRef>
+        </p:style>
+      </p:cxnSp>
+      <p:sp>
+        <p:nvSpPr>
+          <p:cNvPr id="33" name="椭圆 32"/>
+          <p:cNvSpPr/>
+          <p:nvPr/>
+        </p:nvSpPr>
+        <p:spPr>
+          <a:xfrm>
+            <a:off x="7103745" y="3217545"/>
+            <a:ext cx="210820" cy="224790"/>
+          </a:xfrm>
+          <a:prstGeom prst="ellipse">
+            <a:avLst/>
+          </a:prstGeom>
+          <a:noFill/>
+          <a:ln>
+            <a:solidFill>
+              <a:srgbClr val="FF0000"/>
+            </a:solidFill>
+          </a:ln>
+        </p:spPr>
+        <p:style>
+          <a:lnRef idx="2">
+            <a:schemeClr val="accent1">
+              <a:shade val="50000"/>
+            </a:schemeClr>
+          </a:lnRef>
+          <a:fillRef idx="1">
+            <a:schemeClr val="accent1"/>
+          </a:fillRef>
+          <a:effectRef idx="0">
+            <a:schemeClr val="accent1"/>
+          </a:effectRef>
+          <a:fontRef idx="minor">
+            <a:schemeClr val="lt1"/>
+          </a:fontRef>
+        </p:style>
+        <p:txBody>
+          <a:bodyPr rtlCol="0" anchor="ctr"/>
+          <a:p>
+            <a:pPr algn="ctr"/>
+            <a:r>
+              <a:rPr lang="en-US" altLang="zh-CN" sz="1400">
+                <a:solidFill>
+                  <a:schemeClr val="tx1"/>
+                </a:solidFill>
+              </a:rPr>
+              <a:t>4</a:t>
+            </a:r>
+            <a:endParaRPr lang="en-US" altLang="zh-CN" sz="1400">
+              <a:solidFill>
+                <a:schemeClr val="tx1"/>
+              </a:solidFill>
+            </a:endParaRPr>
+          </a:p>
+        </p:txBody>
+      </p:sp>
+      <p:sp>
+        <p:nvSpPr>
+          <p:cNvPr id="34" name="椭圆 33"/>
+          <p:cNvSpPr/>
+          <p:nvPr/>
+        </p:nvSpPr>
+        <p:spPr>
+          <a:xfrm>
+            <a:off x="2728800" y="3218400"/>
+            <a:ext cx="210820" cy="224790"/>
+          </a:xfrm>
+          <a:prstGeom prst="ellipse">
+            <a:avLst/>
+          </a:prstGeom>
+          <a:noFill/>
+          <a:ln>
+            <a:solidFill>
+              <a:srgbClr val="FF0000"/>
+            </a:solidFill>
+          </a:ln>
+        </p:spPr>
+        <p:style>
+          <a:lnRef idx="2">
+            <a:schemeClr val="accent1">
+              <a:shade val="50000"/>
+            </a:schemeClr>
+          </a:lnRef>
+          <a:fillRef idx="1">
+            <a:schemeClr val="accent1"/>
+          </a:fillRef>
+          <a:effectRef idx="0">
+            <a:schemeClr val="accent1"/>
+          </a:effectRef>
+          <a:fontRef idx="minor">
+            <a:schemeClr val="lt1"/>
+          </a:fontRef>
+        </p:style>
+        <p:txBody>
+          <a:bodyPr rtlCol="0" anchor="ctr"/>
+          <a:p>
+            <a:pPr algn="ctr"/>
+            <a:r>
+              <a:rPr lang="en-US" altLang="zh-CN" sz="1400">
+                <a:solidFill>
+                  <a:schemeClr val="tx1"/>
+                </a:solidFill>
+              </a:rPr>
+              <a:t>5</a:t>
+            </a:r>
+            <a:endParaRPr lang="en-US" altLang="zh-CN" sz="1400">
+              <a:solidFill>
+                <a:schemeClr val="tx1"/>
+              </a:solidFill>
+            </a:endParaRPr>
+          </a:p>
+        </p:txBody>
+      </p:sp>
     </p:spTree>
   </p:cSld>
   <p:clrMapOvr>
@@ -3761,6 +5342,1690 @@
         <p:nvPr/>
       </p:nvGrpSpPr>
       <p:grpSpPr/>
+      <p:cxnSp>
+        <p:nvCxnSpPr>
+          <p:cNvPr id="19" name="直接箭头连接符 18"/>
+          <p:cNvCxnSpPr/>
+          <p:nvPr/>
+        </p:nvCxnSpPr>
+        <p:spPr>
+          <a:xfrm>
+            <a:off x="1762125" y="2926715"/>
+            <a:ext cx="2769235" cy="0"/>
+          </a:xfrm>
+          <a:prstGeom prst="straightConnector1">
+            <a:avLst/>
+          </a:prstGeom>
+          <a:ln w="19050">
+            <a:solidFill>
+              <a:schemeClr val="bg2">
+                <a:lumMod val="75000"/>
+              </a:schemeClr>
+            </a:solidFill>
+            <a:prstDash val="sysDash"/>
+            <a:tailEnd type="arrow"/>
+          </a:ln>
+        </p:spPr>
+        <p:style>
+          <a:lnRef idx="1">
+            <a:schemeClr val="accent1"/>
+          </a:lnRef>
+          <a:fillRef idx="0">
+            <a:schemeClr val="accent1"/>
+          </a:fillRef>
+          <a:effectRef idx="0">
+            <a:schemeClr val="accent1"/>
+          </a:effectRef>
+          <a:fontRef idx="minor">
+            <a:schemeClr val="tx1"/>
+          </a:fontRef>
+        </p:style>
+      </p:cxnSp>
+      <p:sp>
+        <p:nvSpPr>
+          <p:cNvPr id="2" name="流程图: 磁盘 1"/>
+          <p:cNvSpPr/>
+          <p:nvPr/>
+        </p:nvSpPr>
+        <p:spPr>
+          <a:xfrm>
+            <a:off x="9460865" y="2505710"/>
+            <a:ext cx="1221740" cy="1512000"/>
+          </a:xfrm>
+          <a:prstGeom prst="flowChartMagneticDisk">
+            <a:avLst/>
+          </a:prstGeom>
+          <a:solidFill>
+            <a:schemeClr val="accent6">
+              <a:lumMod val="20000"/>
+              <a:lumOff val="80000"/>
+            </a:schemeClr>
+          </a:solidFill>
+          <a:ln>
+            <a:solidFill>
+              <a:schemeClr val="tx1"/>
+            </a:solidFill>
+          </a:ln>
+        </p:spPr>
+        <p:style>
+          <a:lnRef idx="2">
+            <a:schemeClr val="accent1">
+              <a:shade val="50000"/>
+            </a:schemeClr>
+          </a:lnRef>
+          <a:fillRef idx="1">
+            <a:schemeClr val="accent1"/>
+          </a:fillRef>
+          <a:effectRef idx="0">
+            <a:schemeClr val="accent1"/>
+          </a:effectRef>
+          <a:fontRef idx="minor">
+            <a:schemeClr val="lt1"/>
+          </a:fontRef>
+        </p:style>
+        <p:txBody>
+          <a:bodyPr rtlCol="0" anchor="ctr"/>
+          <a:p>
+            <a:pPr algn="ctr"/>
+            <a:r>
+              <a:rPr lang="zh-CN" altLang="en-US" sz="1600">
+                <a:solidFill>
+                  <a:schemeClr val="tx1"/>
+                </a:solidFill>
+              </a:rPr>
+              <a:t>数据库</a:t>
+            </a:r>
+            <a:endParaRPr lang="zh-CN" altLang="en-US">
+              <a:solidFill>
+                <a:schemeClr val="tx1"/>
+              </a:solidFill>
+            </a:endParaRPr>
+          </a:p>
+        </p:txBody>
+      </p:sp>
+      <p:sp>
+        <p:nvSpPr>
+          <p:cNvPr id="4" name="矩形 3"/>
+          <p:cNvSpPr/>
+          <p:nvPr/>
+        </p:nvSpPr>
+        <p:spPr>
+          <a:xfrm>
+            <a:off x="4531360" y="2505710"/>
+            <a:ext cx="864000" cy="1511935"/>
+          </a:xfrm>
+          <a:prstGeom prst="rect">
+            <a:avLst/>
+          </a:prstGeom>
+          <a:solidFill>
+            <a:schemeClr val="accent2">
+              <a:lumMod val="20000"/>
+              <a:lumOff val="80000"/>
+            </a:schemeClr>
+          </a:solidFill>
+          <a:ln>
+            <a:solidFill>
+              <a:schemeClr val="tx1"/>
+            </a:solidFill>
+          </a:ln>
+        </p:spPr>
+        <p:style>
+          <a:lnRef idx="2">
+            <a:schemeClr val="accent1">
+              <a:shade val="50000"/>
+            </a:schemeClr>
+          </a:lnRef>
+          <a:fillRef idx="1">
+            <a:schemeClr val="accent1"/>
+          </a:fillRef>
+          <a:effectRef idx="0">
+            <a:schemeClr val="accent1"/>
+          </a:effectRef>
+          <a:fontRef idx="minor">
+            <a:schemeClr val="lt1"/>
+          </a:fontRef>
+        </p:style>
+        <p:txBody>
+          <a:bodyPr vertOverflow="overflow" horzOverflow="overflow" vert="horz" wrap="square" numCol="1" spcCol="0" rtlCol="0" fromWordArt="0" anchor="ctr" anchorCtr="0" forceAA="0" compatLnSpc="1">
+            <a:noAutofit/>
+          </a:bodyPr>
+          <a:p>
+            <a:pPr lvl="0" algn="ctr">
+              <a:buClrTx/>
+              <a:buSzTx/>
+              <a:buFontTx/>
+            </a:pPr>
+            <a:r>
+              <a:rPr lang="zh-CN" altLang="en-US" sz="1600">
+                <a:solidFill>
+                  <a:schemeClr val="tx1"/>
+                </a:solidFill>
+                <a:sym typeface="+mn-ea"/>
+              </a:rPr>
+              <a:t>动态</a:t>
+            </a:r>
+            <a:r>
+              <a:rPr lang="zh-CN" altLang="en-US">
+                <a:solidFill>
+                  <a:schemeClr val="tx1"/>
+                </a:solidFill>
+                <a:sym typeface="+mn-ea"/>
+              </a:rPr>
+              <a:t>脱敏</a:t>
+            </a:r>
+            <a:endParaRPr lang="zh-CN" altLang="en-US">
+              <a:solidFill>
+                <a:schemeClr val="tx1"/>
+              </a:solidFill>
+              <a:sym typeface="+mn-ea"/>
+            </a:endParaRPr>
+          </a:p>
+        </p:txBody>
+      </p:sp>
+      <p:sp>
+        <p:nvSpPr>
+          <p:cNvPr id="5" name="矩形 4"/>
+          <p:cNvSpPr/>
+          <p:nvPr/>
+        </p:nvSpPr>
+        <p:spPr>
+          <a:xfrm>
+            <a:off x="897890" y="2505710"/>
+            <a:ext cx="864000" cy="1511935"/>
+          </a:xfrm>
+          <a:prstGeom prst="rect">
+            <a:avLst/>
+          </a:prstGeom>
+          <a:solidFill>
+            <a:schemeClr val="accent4">
+              <a:lumMod val="20000"/>
+              <a:lumOff val="80000"/>
+            </a:schemeClr>
+          </a:solidFill>
+          <a:ln>
+            <a:solidFill>
+              <a:schemeClr val="tx1"/>
+            </a:solidFill>
+          </a:ln>
+        </p:spPr>
+        <p:style>
+          <a:lnRef idx="2">
+            <a:schemeClr val="accent1">
+              <a:shade val="50000"/>
+            </a:schemeClr>
+          </a:lnRef>
+          <a:fillRef idx="1">
+            <a:schemeClr val="accent1"/>
+          </a:fillRef>
+          <a:effectRef idx="0">
+            <a:schemeClr val="accent1"/>
+          </a:effectRef>
+          <a:fontRef idx="minor">
+            <a:schemeClr val="lt1"/>
+          </a:fontRef>
+        </p:style>
+        <p:txBody>
+          <a:bodyPr vertOverflow="overflow" horzOverflow="overflow" vert="horz" wrap="square" numCol="1" spcCol="0" rtlCol="0" fromWordArt="0" anchor="ctr" anchorCtr="0" forceAA="0" compatLnSpc="1">
+            <a:noAutofit/>
+          </a:bodyPr>
+          <a:p>
+            <a:pPr lvl="0" algn="ctr">
+              <a:buClrTx/>
+              <a:buSzTx/>
+              <a:buFontTx/>
+            </a:pPr>
+            <a:r>
+              <a:rPr lang="zh-CN" altLang="en-US" sz="1600">
+                <a:solidFill>
+                  <a:schemeClr val="tx1"/>
+                </a:solidFill>
+                <a:sym typeface="+mn-ea"/>
+              </a:rPr>
+              <a:t>客户端</a:t>
+            </a:r>
+            <a:endParaRPr lang="zh-CN" altLang="en-US" sz="1600">
+              <a:solidFill>
+                <a:schemeClr val="tx1"/>
+              </a:solidFill>
+              <a:sym typeface="+mn-ea"/>
+            </a:endParaRPr>
+          </a:p>
+        </p:txBody>
+      </p:sp>
+      <p:pic>
+        <p:nvPicPr>
+          <p:cNvPr id="16" name="图片 15"/>
+          <p:cNvPicPr>
+            <a:picLocks noChangeAspect="1"/>
+          </p:cNvPicPr>
+          <p:nvPr/>
+        </p:nvPicPr>
+        <p:blipFill>
+          <a:blip r:embed="rId1"/>
+          <a:stretch>
+            <a:fillRect/>
+          </a:stretch>
+        </p:blipFill>
+        <p:spPr>
+          <a:xfrm>
+            <a:off x="1927225" y="2319655"/>
+            <a:ext cx="2438400" cy="259080"/>
+          </a:xfrm>
+          <a:prstGeom prst="rect">
+            <a:avLst/>
+          </a:prstGeom>
+        </p:spPr>
+      </p:pic>
+      <p:sp>
+        <p:nvSpPr>
+          <p:cNvPr id="17" name="流程图: 磁盘 16"/>
+          <p:cNvSpPr/>
+          <p:nvPr/>
+        </p:nvSpPr>
+        <p:spPr>
+          <a:xfrm>
+            <a:off x="4462780" y="4730750"/>
+            <a:ext cx="1009650" cy="999490"/>
+          </a:xfrm>
+          <a:prstGeom prst="flowChartMagneticDisk">
+            <a:avLst/>
+          </a:prstGeom>
+          <a:solidFill>
+            <a:schemeClr val="accent6">
+              <a:lumMod val="20000"/>
+              <a:lumOff val="80000"/>
+            </a:schemeClr>
+          </a:solidFill>
+          <a:ln>
+            <a:solidFill>
+              <a:schemeClr val="tx1"/>
+            </a:solidFill>
+          </a:ln>
+        </p:spPr>
+        <p:style>
+          <a:lnRef idx="2">
+            <a:schemeClr val="accent1">
+              <a:shade val="50000"/>
+            </a:schemeClr>
+          </a:lnRef>
+          <a:fillRef idx="1">
+            <a:schemeClr val="accent1"/>
+          </a:fillRef>
+          <a:effectRef idx="0">
+            <a:schemeClr val="accent1"/>
+          </a:effectRef>
+          <a:fontRef idx="minor">
+            <a:schemeClr val="lt1"/>
+          </a:fontRef>
+        </p:style>
+        <p:txBody>
+          <a:bodyPr rtlCol="0" anchor="ctr"/>
+          <a:p>
+            <a:pPr algn="ctr"/>
+            <a:r>
+              <a:rPr lang="zh-CN" altLang="en-US" sz="1600">
+                <a:solidFill>
+                  <a:schemeClr val="tx1"/>
+                </a:solidFill>
+              </a:rPr>
+              <a:t>脱敏规则</a:t>
+            </a:r>
+            <a:endParaRPr lang="zh-CN" altLang="en-US" sz="1600">
+              <a:solidFill>
+                <a:schemeClr val="tx1"/>
+              </a:solidFill>
+            </a:endParaRPr>
+          </a:p>
+        </p:txBody>
+      </p:sp>
+      <p:graphicFrame>
+        <p:nvGraphicFramePr>
+          <p:cNvPr id="18" name="表格 17"/>
+          <p:cNvGraphicFramePr/>
+          <p:nvPr>
+            <p:custDataLst>
+              <p:tags r:id="rId2"/>
+            </p:custDataLst>
+          </p:nvPr>
+        </p:nvGraphicFramePr>
+        <p:xfrm>
+          <a:off x="2095500" y="3704145"/>
+          <a:ext cx="2176145" cy="1097280"/>
+        </p:xfrm>
+        <a:graphic>
+          <a:graphicData uri="http://schemas.openxmlformats.org/drawingml/2006/table">
+            <a:tbl>
+              <a:tblPr firstRow="1" bandRow="1">
+                <a:tableStyleId>{5C22544A-7EE6-4342-B048-85BDC9FD1C3A}</a:tableStyleId>
+              </a:tblPr>
+              <a:tblGrid>
+                <a:gridCol w="812800"/>
+                <a:gridCol w="1363345"/>
+              </a:tblGrid>
+              <a:tr h="365760">
+                <a:tc>
+                  <a:txBody>
+                    <a:bodyPr/>
+                    <a:p>
+                      <a:pPr algn="ctr">
+                        <a:buNone/>
+                      </a:pPr>
+                      <a:r>
+                        <a:rPr lang="en-US" altLang="zh-CN">
+                          <a:latin typeface="方正舒体" panose="02010601030101010101" charset="-122"/>
+                          <a:ea typeface="方正舒体" panose="02010601030101010101" charset="-122"/>
+                        </a:rPr>
+                        <a:t>name</a:t>
+                      </a:r>
+                      <a:endParaRPr lang="en-US" altLang="zh-CN">
+                        <a:latin typeface="方正舒体" panose="02010601030101010101" charset="-122"/>
+                        <a:ea typeface="方正舒体" panose="02010601030101010101" charset="-122"/>
+                      </a:endParaRPr>
+                    </a:p>
+                  </a:txBody>
+                  <a:tcPr/>
+                </a:tc>
+                <a:tc>
+                  <a:txBody>
+                    <a:bodyPr/>
+                    <a:p>
+                      <a:pPr algn="ctr">
+                        <a:buNone/>
+                      </a:pPr>
+                      <a:r>
+                        <a:rPr lang="en-US" altLang="zh-CN">
+                          <a:latin typeface="方正舒体" panose="02010601030101010101" charset="-122"/>
+                          <a:ea typeface="方正舒体" panose="02010601030101010101" charset="-122"/>
+                        </a:rPr>
+                        <a:t>phone</a:t>
+                      </a:r>
+                      <a:endParaRPr lang="en-US" altLang="zh-CN">
+                        <a:latin typeface="方正舒体" panose="02010601030101010101" charset="-122"/>
+                        <a:ea typeface="方正舒体" panose="02010601030101010101" charset="-122"/>
+                      </a:endParaRPr>
+                    </a:p>
+                  </a:txBody>
+                  <a:tcPr/>
+                </a:tc>
+              </a:tr>
+              <a:tr h="365760">
+                <a:tc>
+                  <a:txBody>
+                    <a:bodyPr/>
+                    <a:p>
+                      <a:pPr>
+                        <a:buNone/>
+                      </a:pPr>
+                      <a:r>
+                        <a:rPr lang="zh-CN" altLang="en-US">
+                          <a:latin typeface="方正舒体" panose="02010601030101010101" charset="-122"/>
+                          <a:ea typeface="方正舒体" panose="02010601030101010101" charset="-122"/>
+                          <a:cs typeface="方正舒体" panose="02010601030101010101" charset="-122"/>
+                        </a:rPr>
+                        <a:t>邓</a:t>
+                      </a:r>
+                      <a:r>
+                        <a:rPr lang="en-US" altLang="zh-CN">
+                          <a:latin typeface="方正舒体" panose="02010601030101010101" charset="-122"/>
+                          <a:ea typeface="方正舒体" panose="02010601030101010101" charset="-122"/>
+                          <a:cs typeface="方正舒体" panose="02010601030101010101" charset="-122"/>
+                        </a:rPr>
+                        <a:t>**</a:t>
+                      </a:r>
+                      <a:endParaRPr lang="en-US" altLang="zh-CN">
+                        <a:latin typeface="方正舒体" panose="02010601030101010101" charset="-122"/>
+                        <a:ea typeface="方正舒体" panose="02010601030101010101" charset="-122"/>
+                        <a:cs typeface="方正舒体" panose="02010601030101010101" charset="-122"/>
+                      </a:endParaRPr>
+                    </a:p>
+                  </a:txBody>
+                  <a:tcPr/>
+                </a:tc>
+                <a:tc>
+                  <a:txBody>
+                    <a:bodyPr/>
+                    <a:p>
+                      <a:pPr>
+                        <a:buNone/>
+                      </a:pPr>
+                      <a:r>
+                        <a:rPr lang="en-US" altLang="zh-CN">
+                          <a:latin typeface="方正舒体" panose="02010601030101010101" charset="-122"/>
+                          <a:ea typeface="方正舒体" panose="02010601030101010101" charset="-122"/>
+                        </a:rPr>
+                        <a:t>131*****268</a:t>
+                      </a:r>
+                      <a:endParaRPr lang="en-US" altLang="zh-CN">
+                        <a:latin typeface="方正舒体" panose="02010601030101010101" charset="-122"/>
+                        <a:ea typeface="方正舒体" panose="02010601030101010101" charset="-122"/>
+                      </a:endParaRPr>
+                    </a:p>
+                  </a:txBody>
+                  <a:tcPr/>
+                </a:tc>
+              </a:tr>
+              <a:tr h="365760">
+                <a:tc>
+                  <a:txBody>
+                    <a:bodyPr/>
+                    <a:p>
+                      <a:pPr>
+                        <a:buNone/>
+                      </a:pPr>
+                      <a:r>
+                        <a:rPr lang="zh-CN" altLang="en-US">
+                          <a:latin typeface="方正舒体" panose="02010601030101010101" charset="-122"/>
+                          <a:ea typeface="方正舒体" panose="02010601030101010101" charset="-122"/>
+                          <a:cs typeface="方正舒体" panose="02010601030101010101" charset="-122"/>
+                        </a:rPr>
+                        <a:t>孙</a:t>
+                      </a:r>
+                      <a:r>
+                        <a:rPr lang="en-US" altLang="zh-CN">
+                          <a:latin typeface="方正舒体" panose="02010601030101010101" charset="-122"/>
+                          <a:ea typeface="方正舒体" panose="02010601030101010101" charset="-122"/>
+                          <a:cs typeface="方正舒体" panose="02010601030101010101" charset="-122"/>
+                        </a:rPr>
+                        <a:t>**</a:t>
+                      </a:r>
+                      <a:endParaRPr lang="en-US" altLang="zh-CN">
+                        <a:latin typeface="方正舒体" panose="02010601030101010101" charset="-122"/>
+                        <a:ea typeface="方正舒体" panose="02010601030101010101" charset="-122"/>
+                        <a:cs typeface="方正舒体" panose="02010601030101010101" charset="-122"/>
+                      </a:endParaRPr>
+                    </a:p>
+                  </a:txBody>
+                  <a:tcPr/>
+                </a:tc>
+                <a:tc>
+                  <a:txBody>
+                    <a:bodyPr/>
+                    <a:p>
+                      <a:pPr>
+                        <a:buNone/>
+                      </a:pPr>
+                      <a:r>
+                        <a:rPr lang="en-US" altLang="zh-CN">
+                          <a:latin typeface="方正舒体" panose="02010601030101010101" charset="-122"/>
+                          <a:ea typeface="方正舒体" panose="02010601030101010101" charset="-122"/>
+                        </a:rPr>
+                        <a:t>155*****326</a:t>
+                      </a:r>
+                      <a:endParaRPr lang="en-US" altLang="zh-CN">
+                        <a:latin typeface="方正舒体" panose="02010601030101010101" charset="-122"/>
+                        <a:ea typeface="方正舒体" panose="02010601030101010101" charset="-122"/>
+                      </a:endParaRPr>
+                    </a:p>
+                  </a:txBody>
+                  <a:tcPr/>
+                </a:tc>
+              </a:tr>
+            </a:tbl>
+          </a:graphicData>
+        </a:graphic>
+      </p:graphicFrame>
+      <p:cxnSp>
+        <p:nvCxnSpPr>
+          <p:cNvPr id="20" name="直接箭头连接符 19"/>
+          <p:cNvCxnSpPr>
+            <a:stCxn id="4" idx="2"/>
+            <a:endCxn id="17" idx="1"/>
+          </p:cNvCxnSpPr>
+          <p:nvPr/>
+        </p:nvCxnSpPr>
+        <p:spPr>
+          <a:xfrm>
+            <a:off x="4963795" y="4017645"/>
+            <a:ext cx="3810" cy="713105"/>
+          </a:xfrm>
+          <a:prstGeom prst="straightConnector1">
+            <a:avLst/>
+          </a:prstGeom>
+          <a:ln w="19050">
+            <a:solidFill>
+              <a:schemeClr val="bg2">
+                <a:lumMod val="75000"/>
+              </a:schemeClr>
+            </a:solidFill>
+            <a:prstDash val="sysDash"/>
+            <a:tailEnd type="arrow"/>
+          </a:ln>
+        </p:spPr>
+        <p:style>
+          <a:lnRef idx="1">
+            <a:schemeClr val="accent1"/>
+          </a:lnRef>
+          <a:fillRef idx="0">
+            <a:schemeClr val="accent1"/>
+          </a:fillRef>
+          <a:effectRef idx="0">
+            <a:schemeClr val="accent1"/>
+          </a:effectRef>
+          <a:fontRef idx="minor">
+            <a:schemeClr val="tx1"/>
+          </a:fontRef>
+        </p:style>
+      </p:cxnSp>
+      <p:cxnSp>
+        <p:nvCxnSpPr>
+          <p:cNvPr id="21" name="直接箭头连接符 20"/>
+          <p:cNvCxnSpPr/>
+          <p:nvPr/>
+        </p:nvCxnSpPr>
+        <p:spPr>
+          <a:xfrm>
+            <a:off x="5395595" y="2926715"/>
+            <a:ext cx="4065270" cy="0"/>
+          </a:xfrm>
+          <a:prstGeom prst="straightConnector1">
+            <a:avLst/>
+          </a:prstGeom>
+          <a:ln w="19050">
+            <a:solidFill>
+              <a:schemeClr val="bg2">
+                <a:lumMod val="75000"/>
+              </a:schemeClr>
+            </a:solidFill>
+            <a:prstDash val="sysDash"/>
+            <a:tailEnd type="arrow"/>
+          </a:ln>
+        </p:spPr>
+        <p:style>
+          <a:lnRef idx="1">
+            <a:schemeClr val="accent1"/>
+          </a:lnRef>
+          <a:fillRef idx="0">
+            <a:schemeClr val="accent1"/>
+          </a:fillRef>
+          <a:effectRef idx="0">
+            <a:schemeClr val="accent1"/>
+          </a:effectRef>
+          <a:fontRef idx="minor">
+            <a:schemeClr val="tx1"/>
+          </a:fontRef>
+        </p:style>
+      </p:cxnSp>
+      <p:sp>
+        <p:nvSpPr>
+          <p:cNvPr id="22" name="椭圆 21"/>
+          <p:cNvSpPr/>
+          <p:nvPr/>
+        </p:nvSpPr>
+        <p:spPr>
+          <a:xfrm>
+            <a:off x="2729865" y="2653030"/>
+            <a:ext cx="210820" cy="224790"/>
+          </a:xfrm>
+          <a:prstGeom prst="ellipse">
+            <a:avLst/>
+          </a:prstGeom>
+          <a:noFill/>
+          <a:ln>
+            <a:solidFill>
+              <a:srgbClr val="FF0000"/>
+            </a:solidFill>
+          </a:ln>
+        </p:spPr>
+        <p:style>
+          <a:lnRef idx="2">
+            <a:schemeClr val="accent1">
+              <a:shade val="50000"/>
+            </a:schemeClr>
+          </a:lnRef>
+          <a:fillRef idx="1">
+            <a:schemeClr val="accent1"/>
+          </a:fillRef>
+          <a:effectRef idx="0">
+            <a:schemeClr val="accent1"/>
+          </a:effectRef>
+          <a:fontRef idx="minor">
+            <a:schemeClr val="lt1"/>
+          </a:fontRef>
+        </p:style>
+        <p:txBody>
+          <a:bodyPr rtlCol="0" anchor="ctr"/>
+          <a:p>
+            <a:pPr algn="ctr"/>
+            <a:r>
+              <a:rPr lang="en-US" altLang="zh-CN" sz="1400">
+                <a:solidFill>
+                  <a:schemeClr val="tx1"/>
+                </a:solidFill>
+              </a:rPr>
+              <a:t>1</a:t>
+            </a:r>
+            <a:endParaRPr lang="en-US" altLang="zh-CN" sz="1400">
+              <a:solidFill>
+                <a:schemeClr val="tx1"/>
+              </a:solidFill>
+            </a:endParaRPr>
+          </a:p>
+        </p:txBody>
+      </p:sp>
+      <p:sp>
+        <p:nvSpPr>
+          <p:cNvPr id="23" name="椭圆 22"/>
+          <p:cNvSpPr/>
+          <p:nvPr/>
+        </p:nvSpPr>
+        <p:spPr>
+          <a:xfrm>
+            <a:off x="4709795" y="4210050"/>
+            <a:ext cx="210820" cy="224790"/>
+          </a:xfrm>
+          <a:prstGeom prst="ellipse">
+            <a:avLst/>
+          </a:prstGeom>
+          <a:noFill/>
+          <a:ln>
+            <a:solidFill>
+              <a:srgbClr val="FF0000"/>
+            </a:solidFill>
+          </a:ln>
+        </p:spPr>
+        <p:style>
+          <a:lnRef idx="2">
+            <a:schemeClr val="accent1">
+              <a:shade val="50000"/>
+            </a:schemeClr>
+          </a:lnRef>
+          <a:fillRef idx="1">
+            <a:schemeClr val="accent1"/>
+          </a:fillRef>
+          <a:effectRef idx="0">
+            <a:schemeClr val="accent1"/>
+          </a:effectRef>
+          <a:fontRef idx="minor">
+            <a:schemeClr val="lt1"/>
+          </a:fontRef>
+        </p:style>
+        <p:txBody>
+          <a:bodyPr rtlCol="0" anchor="ctr"/>
+          <a:p>
+            <a:pPr algn="ctr"/>
+            <a:r>
+              <a:rPr lang="en-US" altLang="zh-CN" sz="1400">
+                <a:solidFill>
+                  <a:schemeClr val="tx1"/>
+                </a:solidFill>
+              </a:rPr>
+              <a:t>4</a:t>
+            </a:r>
+            <a:endParaRPr lang="en-US" altLang="zh-CN" sz="1400">
+              <a:solidFill>
+                <a:schemeClr val="tx1"/>
+              </a:solidFill>
+            </a:endParaRPr>
+          </a:p>
+        </p:txBody>
+      </p:sp>
+      <p:sp>
+        <p:nvSpPr>
+          <p:cNvPr id="24" name="椭圆 23"/>
+          <p:cNvSpPr/>
+          <p:nvPr/>
+        </p:nvSpPr>
+        <p:spPr>
+          <a:xfrm>
+            <a:off x="7103745" y="2653030"/>
+            <a:ext cx="210820" cy="224790"/>
+          </a:xfrm>
+          <a:prstGeom prst="ellipse">
+            <a:avLst/>
+          </a:prstGeom>
+          <a:noFill/>
+          <a:ln>
+            <a:solidFill>
+              <a:srgbClr val="FF0000"/>
+            </a:solidFill>
+          </a:ln>
+        </p:spPr>
+        <p:style>
+          <a:lnRef idx="2">
+            <a:schemeClr val="accent1">
+              <a:shade val="50000"/>
+            </a:schemeClr>
+          </a:lnRef>
+          <a:fillRef idx="1">
+            <a:schemeClr val="accent1"/>
+          </a:fillRef>
+          <a:effectRef idx="0">
+            <a:schemeClr val="accent1"/>
+          </a:effectRef>
+          <a:fontRef idx="minor">
+            <a:schemeClr val="lt1"/>
+          </a:fontRef>
+        </p:style>
+        <p:txBody>
+          <a:bodyPr rtlCol="0" anchor="ctr"/>
+          <a:p>
+            <a:pPr algn="ctr"/>
+            <a:r>
+              <a:rPr lang="en-US" altLang="zh-CN" sz="1400">
+                <a:solidFill>
+                  <a:schemeClr val="tx1"/>
+                </a:solidFill>
+              </a:rPr>
+              <a:t>2</a:t>
+            </a:r>
+            <a:endParaRPr lang="en-US" altLang="zh-CN" sz="1400">
+              <a:solidFill>
+                <a:schemeClr val="tx1"/>
+              </a:solidFill>
+            </a:endParaRPr>
+          </a:p>
+        </p:txBody>
+      </p:sp>
+      <p:graphicFrame>
+        <p:nvGraphicFramePr>
+          <p:cNvPr id="27" name="表格 26"/>
+          <p:cNvGraphicFramePr/>
+          <p:nvPr>
+            <p:custDataLst>
+              <p:tags r:id="rId3"/>
+            </p:custDataLst>
+          </p:nvPr>
+        </p:nvGraphicFramePr>
+        <p:xfrm>
+          <a:off x="9129034" y="4236181"/>
+          <a:ext cx="2994025" cy="1097280"/>
+        </p:xfrm>
+        <a:graphic>
+          <a:graphicData uri="http://schemas.openxmlformats.org/drawingml/2006/table">
+            <a:tbl>
+              <a:tblPr firstRow="1" bandRow="1">
+                <a:tableStyleId>{5C22544A-7EE6-4342-B048-85BDC9FD1C3A}</a:tableStyleId>
+              </a:tblPr>
+              <a:tblGrid>
+                <a:gridCol w="628015"/>
+                <a:gridCol w="883285"/>
+                <a:gridCol w="1482725"/>
+              </a:tblGrid>
+              <a:tr h="365760">
+                <a:tc>
+                  <a:txBody>
+                    <a:bodyPr/>
+                    <a:p>
+                      <a:pPr algn="ctr">
+                        <a:buNone/>
+                      </a:pPr>
+                      <a:r>
+                        <a:rPr lang="en-US" altLang="zh-CN">
+                          <a:solidFill>
+                            <a:schemeClr val="tx1"/>
+                          </a:solidFill>
+                          <a:latin typeface="方正舒体" panose="02010601030101010101" charset="-122"/>
+                          <a:ea typeface="方正舒体" panose="02010601030101010101" charset="-122"/>
+                        </a:rPr>
+                        <a:t>id</a:t>
+                      </a:r>
+                      <a:endParaRPr lang="en-US" altLang="zh-CN">
+                        <a:solidFill>
+                          <a:schemeClr val="tx1"/>
+                        </a:solidFill>
+                        <a:latin typeface="方正舒体" panose="02010601030101010101" charset="-122"/>
+                        <a:ea typeface="方正舒体" panose="02010601030101010101" charset="-122"/>
+                      </a:endParaRPr>
+                    </a:p>
+                  </a:txBody>
+                  <a:tcPr>
+                    <a:solidFill>
+                      <a:schemeClr val="accent6">
+                        <a:lumMod val="20000"/>
+                        <a:lumOff val="80000"/>
+                      </a:schemeClr>
+                    </a:solidFill>
+                  </a:tcPr>
+                </a:tc>
+                <a:tc>
+                  <a:txBody>
+                    <a:bodyPr/>
+                    <a:p>
+                      <a:pPr algn="ctr">
+                        <a:buNone/>
+                      </a:pPr>
+                      <a:r>
+                        <a:rPr lang="en-US" altLang="zh-CN">
+                          <a:solidFill>
+                            <a:schemeClr val="tx1"/>
+                          </a:solidFill>
+                          <a:latin typeface="方正舒体" panose="02010601030101010101" charset="-122"/>
+                          <a:ea typeface="方正舒体" panose="02010601030101010101" charset="-122"/>
+                        </a:rPr>
+                        <a:t>name</a:t>
+                      </a:r>
+                      <a:endParaRPr lang="en-US" altLang="zh-CN">
+                        <a:solidFill>
+                          <a:schemeClr val="tx1"/>
+                        </a:solidFill>
+                        <a:latin typeface="方正舒体" panose="02010601030101010101" charset="-122"/>
+                        <a:ea typeface="方正舒体" panose="02010601030101010101" charset="-122"/>
+                      </a:endParaRPr>
+                    </a:p>
+                  </a:txBody>
+                  <a:tcPr>
+                    <a:solidFill>
+                      <a:schemeClr val="accent6">
+                        <a:lumMod val="20000"/>
+                        <a:lumOff val="80000"/>
+                      </a:schemeClr>
+                    </a:solidFill>
+                  </a:tcPr>
+                </a:tc>
+                <a:tc>
+                  <a:txBody>
+                    <a:bodyPr/>
+                    <a:p>
+                      <a:pPr algn="ctr">
+                        <a:buNone/>
+                      </a:pPr>
+                      <a:r>
+                        <a:rPr lang="en-US" altLang="zh-CN">
+                          <a:solidFill>
+                            <a:schemeClr val="tx1"/>
+                          </a:solidFill>
+                          <a:latin typeface="方正舒体" panose="02010601030101010101" charset="-122"/>
+                          <a:ea typeface="方正舒体" panose="02010601030101010101" charset="-122"/>
+                        </a:rPr>
+                        <a:t>phone</a:t>
+                      </a:r>
+                      <a:endParaRPr lang="en-US" altLang="zh-CN">
+                        <a:solidFill>
+                          <a:schemeClr val="tx1"/>
+                        </a:solidFill>
+                        <a:latin typeface="方正舒体" panose="02010601030101010101" charset="-122"/>
+                        <a:ea typeface="方正舒体" panose="02010601030101010101" charset="-122"/>
+                      </a:endParaRPr>
+                    </a:p>
+                  </a:txBody>
+                  <a:tcPr>
+                    <a:solidFill>
+                      <a:schemeClr val="accent6">
+                        <a:lumMod val="20000"/>
+                        <a:lumOff val="80000"/>
+                      </a:schemeClr>
+                    </a:solidFill>
+                  </a:tcPr>
+                </a:tc>
+              </a:tr>
+              <a:tr h="365760">
+                <a:tc>
+                  <a:txBody>
+                    <a:bodyPr/>
+                    <a:p>
+                      <a:pPr>
+                        <a:buNone/>
+                      </a:pPr>
+                      <a:r>
+                        <a:rPr lang="en-US" altLang="zh-CN">
+                          <a:gradFill>
+                            <a:gsLst>
+                              <a:gs pos="0">
+                                <a:srgbClr val="14CD68"/>
+                              </a:gs>
+                              <a:gs pos="100000">
+                                <a:srgbClr val="0B6E38"/>
+                              </a:gs>
+                            </a:gsLst>
+                            <a:lin scaled="0"/>
+                          </a:gradFill>
+                          <a:latin typeface="方正舒体" panose="02010601030101010101" charset="-122"/>
+                          <a:ea typeface="方正舒体" panose="02010601030101010101" charset="-122"/>
+                        </a:rPr>
+                        <a:t>101</a:t>
+                      </a:r>
+                      <a:endParaRPr lang="en-US" altLang="zh-CN">
+                        <a:gradFill>
+                          <a:gsLst>
+                            <a:gs pos="0">
+                              <a:srgbClr val="14CD68"/>
+                            </a:gs>
+                            <a:gs pos="100000">
+                              <a:srgbClr val="0B6E38"/>
+                            </a:gs>
+                          </a:gsLst>
+                          <a:lin scaled="0"/>
+                        </a:gradFill>
+                        <a:latin typeface="方正舒体" panose="02010601030101010101" charset="-122"/>
+                        <a:ea typeface="方正舒体" panose="02010601030101010101" charset="-122"/>
+                      </a:endParaRPr>
+                    </a:p>
+                  </a:txBody>
+                  <a:tcPr/>
+                </a:tc>
+                <a:tc>
+                  <a:txBody>
+                    <a:bodyPr/>
+                    <a:p>
+                      <a:pPr>
+                        <a:buNone/>
+                      </a:pPr>
+                      <a:r>
+                        <a:rPr lang="zh-CN" altLang="en-US">
+                          <a:gradFill>
+                            <a:gsLst>
+                              <a:gs pos="0">
+                                <a:srgbClr val="14CD68"/>
+                              </a:gs>
+                              <a:gs pos="100000">
+                                <a:srgbClr val="0B6E38"/>
+                              </a:gs>
+                            </a:gsLst>
+                            <a:lin scaled="0"/>
+                          </a:gradFill>
+                          <a:latin typeface="方正舒体" panose="02010601030101010101" charset="-122"/>
+                          <a:ea typeface="方正舒体" panose="02010601030101010101" charset="-122"/>
+                        </a:rPr>
+                        <a:t>邓紫棋</a:t>
+                      </a:r>
+                      <a:endParaRPr lang="zh-CN" altLang="en-US">
+                        <a:gradFill>
+                          <a:gsLst>
+                            <a:gs pos="0">
+                              <a:srgbClr val="14CD68"/>
+                            </a:gs>
+                            <a:gs pos="100000">
+                              <a:srgbClr val="0B6E38"/>
+                            </a:gs>
+                          </a:gsLst>
+                          <a:lin scaled="0"/>
+                        </a:gradFill>
+                        <a:latin typeface="方正舒体" panose="02010601030101010101" charset="-122"/>
+                        <a:ea typeface="方正舒体" panose="02010601030101010101" charset="-122"/>
+                      </a:endParaRPr>
+                    </a:p>
+                  </a:txBody>
+                  <a:tcPr/>
+                </a:tc>
+                <a:tc>
+                  <a:txBody>
+                    <a:bodyPr/>
+                    <a:p>
+                      <a:pPr>
+                        <a:buNone/>
+                      </a:pPr>
+                      <a:r>
+                        <a:rPr lang="en-US" altLang="zh-CN">
+                          <a:gradFill>
+                            <a:gsLst>
+                              <a:gs pos="0">
+                                <a:srgbClr val="14CD68"/>
+                              </a:gs>
+                              <a:gs pos="100000">
+                                <a:srgbClr val="0B6E38"/>
+                              </a:gs>
+                            </a:gsLst>
+                            <a:lin scaled="0"/>
+                          </a:gradFill>
+                          <a:latin typeface="方正舒体" panose="02010601030101010101" charset="-122"/>
+                          <a:ea typeface="方正舒体" panose="02010601030101010101" charset="-122"/>
+                        </a:rPr>
+                        <a:t>13191285268</a:t>
+                      </a:r>
+                      <a:endParaRPr lang="en-US" altLang="zh-CN">
+                        <a:gradFill>
+                          <a:gsLst>
+                            <a:gs pos="0">
+                              <a:srgbClr val="14CD68"/>
+                            </a:gs>
+                            <a:gs pos="100000">
+                              <a:srgbClr val="0B6E38"/>
+                            </a:gs>
+                          </a:gsLst>
+                          <a:lin scaled="0"/>
+                        </a:gradFill>
+                        <a:latin typeface="方正舒体" panose="02010601030101010101" charset="-122"/>
+                        <a:ea typeface="方正舒体" panose="02010601030101010101" charset="-122"/>
+                      </a:endParaRPr>
+                    </a:p>
+                  </a:txBody>
+                  <a:tcPr/>
+                </a:tc>
+              </a:tr>
+              <a:tr h="365760">
+                <a:tc>
+                  <a:txBody>
+                    <a:bodyPr/>
+                    <a:p>
+                      <a:pPr>
+                        <a:buNone/>
+                      </a:pPr>
+                      <a:r>
+                        <a:rPr lang="en-US" altLang="zh-CN">
+                          <a:gradFill>
+                            <a:gsLst>
+                              <a:gs pos="0">
+                                <a:srgbClr val="14CD68"/>
+                              </a:gs>
+                              <a:gs pos="100000">
+                                <a:srgbClr val="0B6E38"/>
+                              </a:gs>
+                            </a:gsLst>
+                            <a:lin scaled="0"/>
+                          </a:gradFill>
+                          <a:latin typeface="方正舒体" panose="02010601030101010101" charset="-122"/>
+                          <a:ea typeface="方正舒体" panose="02010601030101010101" charset="-122"/>
+                        </a:rPr>
+                        <a:t>102</a:t>
+                      </a:r>
+                      <a:endParaRPr lang="en-US" altLang="zh-CN">
+                        <a:gradFill>
+                          <a:gsLst>
+                            <a:gs pos="0">
+                              <a:srgbClr val="14CD68"/>
+                            </a:gs>
+                            <a:gs pos="100000">
+                              <a:srgbClr val="0B6E38"/>
+                            </a:gs>
+                          </a:gsLst>
+                          <a:lin scaled="0"/>
+                        </a:gradFill>
+                        <a:latin typeface="方正舒体" panose="02010601030101010101" charset="-122"/>
+                        <a:ea typeface="方正舒体" panose="02010601030101010101" charset="-122"/>
+                      </a:endParaRPr>
+                    </a:p>
+                  </a:txBody>
+                  <a:tcPr/>
+                </a:tc>
+                <a:tc>
+                  <a:txBody>
+                    <a:bodyPr/>
+                    <a:p>
+                      <a:pPr>
+                        <a:buNone/>
+                      </a:pPr>
+                      <a:r>
+                        <a:rPr lang="zh-CN" altLang="en-US">
+                          <a:gradFill>
+                            <a:gsLst>
+                              <a:gs pos="0">
+                                <a:srgbClr val="14CD68"/>
+                              </a:gs>
+                              <a:gs pos="100000">
+                                <a:srgbClr val="0B6E38"/>
+                              </a:gs>
+                            </a:gsLst>
+                            <a:lin scaled="0"/>
+                          </a:gradFill>
+                          <a:latin typeface="方正舒体" panose="02010601030101010101" charset="-122"/>
+                          <a:ea typeface="方正舒体" panose="02010601030101010101" charset="-122"/>
+                        </a:rPr>
+                        <a:t>孙燕姿</a:t>
+                      </a:r>
+                      <a:endParaRPr lang="zh-CN" altLang="en-US">
+                        <a:gradFill>
+                          <a:gsLst>
+                            <a:gs pos="0">
+                              <a:srgbClr val="14CD68"/>
+                            </a:gs>
+                            <a:gs pos="100000">
+                              <a:srgbClr val="0B6E38"/>
+                            </a:gs>
+                          </a:gsLst>
+                          <a:lin scaled="0"/>
+                        </a:gradFill>
+                        <a:latin typeface="方正舒体" panose="02010601030101010101" charset="-122"/>
+                        <a:ea typeface="方正舒体" panose="02010601030101010101" charset="-122"/>
+                      </a:endParaRPr>
+                    </a:p>
+                  </a:txBody>
+                  <a:tcPr/>
+                </a:tc>
+                <a:tc>
+                  <a:txBody>
+                    <a:bodyPr/>
+                    <a:p>
+                      <a:pPr>
+                        <a:buNone/>
+                      </a:pPr>
+                      <a:r>
+                        <a:rPr lang="en-US" altLang="zh-CN">
+                          <a:gradFill>
+                            <a:gsLst>
+                              <a:gs pos="0">
+                                <a:srgbClr val="14CD68"/>
+                              </a:gs>
+                              <a:gs pos="100000">
+                                <a:srgbClr val="0B6E38"/>
+                              </a:gs>
+                            </a:gsLst>
+                            <a:lin scaled="0"/>
+                          </a:gradFill>
+                          <a:latin typeface="方正舒体" panose="02010601030101010101" charset="-122"/>
+                          <a:ea typeface="方正舒体" panose="02010601030101010101" charset="-122"/>
+                        </a:rPr>
+                        <a:t>15519825326</a:t>
+                      </a:r>
+                      <a:endParaRPr lang="en-US" altLang="zh-CN">
+                        <a:gradFill>
+                          <a:gsLst>
+                            <a:gs pos="0">
+                              <a:srgbClr val="14CD68"/>
+                            </a:gs>
+                            <a:gs pos="100000">
+                              <a:srgbClr val="0B6E38"/>
+                            </a:gs>
+                          </a:gsLst>
+                          <a:lin scaled="0"/>
+                        </a:gradFill>
+                        <a:latin typeface="方正舒体" panose="02010601030101010101" charset="-122"/>
+                        <a:ea typeface="方正舒体" panose="02010601030101010101" charset="-122"/>
+                      </a:endParaRPr>
+                    </a:p>
+                  </a:txBody>
+                  <a:tcPr/>
+                </a:tc>
+              </a:tr>
+            </a:tbl>
+          </a:graphicData>
+        </a:graphic>
+      </p:graphicFrame>
+      <p:cxnSp>
+        <p:nvCxnSpPr>
+          <p:cNvPr id="31" name="直接箭头连接符 30"/>
+          <p:cNvCxnSpPr/>
+          <p:nvPr/>
+        </p:nvCxnSpPr>
+        <p:spPr>
+          <a:xfrm flipH="1">
+            <a:off x="5417820" y="3526790"/>
+            <a:ext cx="4022090" cy="0"/>
+          </a:xfrm>
+          <a:prstGeom prst="straightConnector1">
+            <a:avLst/>
+          </a:prstGeom>
+          <a:ln w="19050">
+            <a:solidFill>
+              <a:schemeClr val="bg2">
+                <a:lumMod val="75000"/>
+              </a:schemeClr>
+            </a:solidFill>
+            <a:prstDash val="sysDash"/>
+            <a:tailEnd type="arrow"/>
+          </a:ln>
+        </p:spPr>
+        <p:style>
+          <a:lnRef idx="1">
+            <a:schemeClr val="accent1"/>
+          </a:lnRef>
+          <a:fillRef idx="0">
+            <a:schemeClr val="accent1"/>
+          </a:fillRef>
+          <a:effectRef idx="0">
+            <a:schemeClr val="accent1"/>
+          </a:effectRef>
+          <a:fontRef idx="minor">
+            <a:schemeClr val="tx1"/>
+          </a:fontRef>
+        </p:style>
+      </p:cxnSp>
+      <p:cxnSp>
+        <p:nvCxnSpPr>
+          <p:cNvPr id="32" name="直接箭头连接符 31"/>
+          <p:cNvCxnSpPr/>
+          <p:nvPr/>
+        </p:nvCxnSpPr>
+        <p:spPr>
+          <a:xfrm flipH="1">
+            <a:off x="1767840" y="3528000"/>
+            <a:ext cx="2751455" cy="0"/>
+          </a:xfrm>
+          <a:prstGeom prst="straightConnector1">
+            <a:avLst/>
+          </a:prstGeom>
+          <a:ln w="19050">
+            <a:solidFill>
+              <a:schemeClr val="bg2">
+                <a:lumMod val="75000"/>
+              </a:schemeClr>
+            </a:solidFill>
+            <a:prstDash val="sysDash"/>
+            <a:tailEnd type="arrow"/>
+          </a:ln>
+        </p:spPr>
+        <p:style>
+          <a:lnRef idx="1">
+            <a:schemeClr val="accent1"/>
+          </a:lnRef>
+          <a:fillRef idx="0">
+            <a:schemeClr val="accent1"/>
+          </a:fillRef>
+          <a:effectRef idx="0">
+            <a:schemeClr val="accent1"/>
+          </a:effectRef>
+          <a:fontRef idx="minor">
+            <a:schemeClr val="tx1"/>
+          </a:fontRef>
+        </p:style>
+      </p:cxnSp>
+      <p:sp>
+        <p:nvSpPr>
+          <p:cNvPr id="33" name="椭圆 32"/>
+          <p:cNvSpPr/>
+          <p:nvPr/>
+        </p:nvSpPr>
+        <p:spPr>
+          <a:xfrm>
+            <a:off x="7103745" y="3217545"/>
+            <a:ext cx="210820" cy="224790"/>
+          </a:xfrm>
+          <a:prstGeom prst="ellipse">
+            <a:avLst/>
+          </a:prstGeom>
+          <a:noFill/>
+          <a:ln>
+            <a:solidFill>
+              <a:srgbClr val="FF0000"/>
+            </a:solidFill>
+          </a:ln>
+        </p:spPr>
+        <p:style>
+          <a:lnRef idx="2">
+            <a:schemeClr val="accent1">
+              <a:shade val="50000"/>
+            </a:schemeClr>
+          </a:lnRef>
+          <a:fillRef idx="1">
+            <a:schemeClr val="accent1"/>
+          </a:fillRef>
+          <a:effectRef idx="0">
+            <a:schemeClr val="accent1"/>
+          </a:effectRef>
+          <a:fontRef idx="minor">
+            <a:schemeClr val="lt1"/>
+          </a:fontRef>
+        </p:style>
+        <p:txBody>
+          <a:bodyPr rtlCol="0" anchor="ctr"/>
+          <a:p>
+            <a:pPr algn="ctr"/>
+            <a:r>
+              <a:rPr lang="en-US" altLang="zh-CN" sz="1400">
+                <a:solidFill>
+                  <a:schemeClr val="tx1"/>
+                </a:solidFill>
+              </a:rPr>
+              <a:t>3</a:t>
+            </a:r>
+            <a:endParaRPr lang="en-US" altLang="zh-CN" sz="1400">
+              <a:solidFill>
+                <a:schemeClr val="tx1"/>
+              </a:solidFill>
+            </a:endParaRPr>
+          </a:p>
+        </p:txBody>
+      </p:sp>
+      <p:sp>
+        <p:nvSpPr>
+          <p:cNvPr id="34" name="椭圆 33"/>
+          <p:cNvSpPr/>
+          <p:nvPr/>
+        </p:nvSpPr>
+        <p:spPr>
+          <a:xfrm>
+            <a:off x="2728800" y="3218400"/>
+            <a:ext cx="210820" cy="224790"/>
+          </a:xfrm>
+          <a:prstGeom prst="ellipse">
+            <a:avLst/>
+          </a:prstGeom>
+          <a:noFill/>
+          <a:ln>
+            <a:solidFill>
+              <a:srgbClr val="FF0000"/>
+            </a:solidFill>
+          </a:ln>
+        </p:spPr>
+        <p:style>
+          <a:lnRef idx="2">
+            <a:schemeClr val="accent1">
+              <a:shade val="50000"/>
+            </a:schemeClr>
+          </a:lnRef>
+          <a:fillRef idx="1">
+            <a:schemeClr val="accent1"/>
+          </a:fillRef>
+          <a:effectRef idx="0">
+            <a:schemeClr val="accent1"/>
+          </a:effectRef>
+          <a:fontRef idx="minor">
+            <a:schemeClr val="lt1"/>
+          </a:fontRef>
+        </p:style>
+        <p:txBody>
+          <a:bodyPr rtlCol="0" anchor="ctr"/>
+          <a:p>
+            <a:pPr algn="ctr"/>
+            <a:r>
+              <a:rPr lang="en-US" altLang="zh-CN" sz="1400">
+                <a:solidFill>
+                  <a:schemeClr val="tx1"/>
+                </a:solidFill>
+              </a:rPr>
+              <a:t>5</a:t>
+            </a:r>
+            <a:endParaRPr lang="en-US" altLang="zh-CN" sz="1400">
+              <a:solidFill>
+                <a:schemeClr val="tx1"/>
+              </a:solidFill>
+            </a:endParaRPr>
+          </a:p>
+        </p:txBody>
+      </p:sp>
+      <p:pic>
+        <p:nvPicPr>
+          <p:cNvPr id="3" name="图片 2"/>
+          <p:cNvPicPr>
+            <a:picLocks noChangeAspect="1"/>
+          </p:cNvPicPr>
+          <p:nvPr/>
+        </p:nvPicPr>
+        <p:blipFill>
+          <a:blip r:embed="rId1"/>
+          <a:stretch>
+            <a:fillRect/>
+          </a:stretch>
+        </p:blipFill>
+        <p:spPr>
+          <a:xfrm>
+            <a:off x="6169025" y="2319655"/>
+            <a:ext cx="2438400" cy="259080"/>
+          </a:xfrm>
+          <a:prstGeom prst="rect">
+            <a:avLst/>
+          </a:prstGeom>
+        </p:spPr>
+      </p:pic>
+      <p:graphicFrame>
+        <p:nvGraphicFramePr>
+          <p:cNvPr id="8" name="表格 7"/>
+          <p:cNvGraphicFramePr/>
+          <p:nvPr>
+            <p:custDataLst>
+              <p:tags r:id="rId4"/>
+            </p:custDataLst>
+          </p:nvPr>
+        </p:nvGraphicFramePr>
+        <p:xfrm>
+          <a:off x="5964194" y="3647536"/>
+          <a:ext cx="2994025" cy="1097280"/>
+        </p:xfrm>
+        <a:graphic>
+          <a:graphicData uri="http://schemas.openxmlformats.org/drawingml/2006/table">
+            <a:tbl>
+              <a:tblPr firstRow="1" bandRow="1">
+                <a:tableStyleId>{5C22544A-7EE6-4342-B048-85BDC9FD1C3A}</a:tableStyleId>
+              </a:tblPr>
+              <a:tblGrid>
+                <a:gridCol w="628015"/>
+                <a:gridCol w="883285"/>
+                <a:gridCol w="1482725"/>
+              </a:tblGrid>
+              <a:tr h="365760">
+                <a:tc>
+                  <a:txBody>
+                    <a:bodyPr/>
+                    <a:p>
+                      <a:pPr algn="ctr">
+                        <a:buClrTx/>
+                        <a:buSzTx/>
+                        <a:buFontTx/>
+                        <a:buNone/>
+                      </a:pPr>
+                      <a:r>
+                        <a:rPr lang="en-US" altLang="zh-CN">
+                          <a:latin typeface="方正舒体" panose="02010601030101010101" charset="-122"/>
+                          <a:ea typeface="方正舒体" panose="02010601030101010101" charset="-122"/>
+                        </a:rPr>
+                        <a:t>id</a:t>
+                      </a:r>
+                      <a:endParaRPr lang="en-US" altLang="zh-CN">
+                        <a:latin typeface="方正舒体" panose="02010601030101010101" charset="-122"/>
+                        <a:ea typeface="方正舒体" panose="02010601030101010101" charset="-122"/>
+                      </a:endParaRPr>
+                    </a:p>
+                  </a:txBody>
+                  <a:tcPr>
+                    <a:solidFill>
+                      <a:srgbClr val="5B9BD5"/>
+                    </a:solidFill>
+                  </a:tcPr>
+                </a:tc>
+                <a:tc>
+                  <a:txBody>
+                    <a:bodyPr/>
+                    <a:p>
+                      <a:pPr algn="ctr">
+                        <a:buClrTx/>
+                        <a:buSzTx/>
+                        <a:buFontTx/>
+                        <a:buNone/>
+                      </a:pPr>
+                      <a:r>
+                        <a:rPr lang="en-US" altLang="zh-CN">
+                          <a:latin typeface="方正舒体" panose="02010601030101010101" charset="-122"/>
+                          <a:ea typeface="方正舒体" panose="02010601030101010101" charset="-122"/>
+                        </a:rPr>
+                        <a:t>name</a:t>
+                      </a:r>
+                      <a:endParaRPr lang="en-US" altLang="zh-CN">
+                        <a:latin typeface="方正舒体" panose="02010601030101010101" charset="-122"/>
+                        <a:ea typeface="方正舒体" panose="02010601030101010101" charset="-122"/>
+                      </a:endParaRPr>
+                    </a:p>
+                  </a:txBody>
+                  <a:tcPr>
+                    <a:solidFill>
+                      <a:srgbClr val="5B9BD5"/>
+                    </a:solidFill>
+                  </a:tcPr>
+                </a:tc>
+                <a:tc>
+                  <a:txBody>
+                    <a:bodyPr/>
+                    <a:p>
+                      <a:pPr algn="ctr">
+                        <a:buClrTx/>
+                        <a:buSzTx/>
+                        <a:buFontTx/>
+                        <a:buNone/>
+                      </a:pPr>
+                      <a:r>
+                        <a:rPr lang="en-US" altLang="zh-CN">
+                          <a:latin typeface="方正舒体" panose="02010601030101010101" charset="-122"/>
+                          <a:ea typeface="方正舒体" panose="02010601030101010101" charset="-122"/>
+                        </a:rPr>
+                        <a:t>phone</a:t>
+                      </a:r>
+                      <a:endParaRPr lang="en-US" altLang="zh-CN">
+                        <a:latin typeface="方正舒体" panose="02010601030101010101" charset="-122"/>
+                        <a:ea typeface="方正舒体" panose="02010601030101010101" charset="-122"/>
+                      </a:endParaRPr>
+                    </a:p>
+                  </a:txBody>
+                  <a:tcPr>
+                    <a:solidFill>
+                      <a:srgbClr val="5B9BD5"/>
+                    </a:solidFill>
+                  </a:tcPr>
+                </a:tc>
+              </a:tr>
+              <a:tr h="365760">
+                <a:tc>
+                  <a:txBody>
+                    <a:bodyPr/>
+                    <a:p>
+                      <a:pPr>
+                        <a:buNone/>
+                      </a:pPr>
+                      <a:r>
+                        <a:rPr lang="en-US" altLang="zh-CN">
+                          <a:solidFill>
+                            <a:schemeClr val="tx1"/>
+                          </a:solidFill>
+                          <a:latin typeface="方正舒体" panose="02010601030101010101" charset="-122"/>
+                          <a:ea typeface="方正舒体" panose="02010601030101010101" charset="-122"/>
+                        </a:rPr>
+                        <a:t>101</a:t>
+                      </a:r>
+                      <a:endParaRPr lang="en-US" altLang="zh-CN">
+                        <a:solidFill>
+                          <a:schemeClr val="tx1"/>
+                        </a:solidFill>
+                        <a:latin typeface="方正舒体" panose="02010601030101010101" charset="-122"/>
+                        <a:ea typeface="方正舒体" panose="02010601030101010101" charset="-122"/>
+                      </a:endParaRPr>
+                    </a:p>
+                  </a:txBody>
+                  <a:tcPr/>
+                </a:tc>
+                <a:tc>
+                  <a:txBody>
+                    <a:bodyPr/>
+                    <a:p>
+                      <a:pPr>
+                        <a:buNone/>
+                      </a:pPr>
+                      <a:r>
+                        <a:rPr lang="zh-CN" altLang="en-US">
+                          <a:solidFill>
+                            <a:schemeClr val="tx1"/>
+                          </a:solidFill>
+                          <a:latin typeface="方正舒体" panose="02010601030101010101" charset="-122"/>
+                          <a:ea typeface="方正舒体" panose="02010601030101010101" charset="-122"/>
+                        </a:rPr>
+                        <a:t>邓紫棋</a:t>
+                      </a:r>
+                      <a:endParaRPr lang="zh-CN" altLang="en-US">
+                        <a:solidFill>
+                          <a:schemeClr val="tx1"/>
+                        </a:solidFill>
+                        <a:latin typeface="方正舒体" panose="02010601030101010101" charset="-122"/>
+                        <a:ea typeface="方正舒体" panose="02010601030101010101" charset="-122"/>
+                      </a:endParaRPr>
+                    </a:p>
+                  </a:txBody>
+                  <a:tcPr/>
+                </a:tc>
+                <a:tc>
+                  <a:txBody>
+                    <a:bodyPr/>
+                    <a:p>
+                      <a:pPr>
+                        <a:buNone/>
+                      </a:pPr>
+                      <a:r>
+                        <a:rPr lang="en-US" altLang="zh-CN">
+                          <a:solidFill>
+                            <a:schemeClr val="tx1"/>
+                          </a:solidFill>
+                          <a:latin typeface="方正舒体" panose="02010601030101010101" charset="-122"/>
+                          <a:ea typeface="方正舒体" panose="02010601030101010101" charset="-122"/>
+                        </a:rPr>
+                        <a:t>13191285268</a:t>
+                      </a:r>
+                      <a:endParaRPr lang="en-US" altLang="zh-CN">
+                        <a:solidFill>
+                          <a:schemeClr val="tx1"/>
+                        </a:solidFill>
+                        <a:latin typeface="方正舒体" panose="02010601030101010101" charset="-122"/>
+                        <a:ea typeface="方正舒体" panose="02010601030101010101" charset="-122"/>
+                      </a:endParaRPr>
+                    </a:p>
+                  </a:txBody>
+                  <a:tcPr/>
+                </a:tc>
+              </a:tr>
+              <a:tr h="365760">
+                <a:tc>
+                  <a:txBody>
+                    <a:bodyPr/>
+                    <a:p>
+                      <a:pPr>
+                        <a:buNone/>
+                      </a:pPr>
+                      <a:r>
+                        <a:rPr lang="en-US" altLang="zh-CN">
+                          <a:solidFill>
+                            <a:schemeClr val="tx1"/>
+                          </a:solidFill>
+                          <a:latin typeface="方正舒体" panose="02010601030101010101" charset="-122"/>
+                          <a:ea typeface="方正舒体" panose="02010601030101010101" charset="-122"/>
+                        </a:rPr>
+                        <a:t>102</a:t>
+                      </a:r>
+                      <a:endParaRPr lang="en-US" altLang="zh-CN">
+                        <a:solidFill>
+                          <a:schemeClr val="tx1"/>
+                        </a:solidFill>
+                        <a:latin typeface="方正舒体" panose="02010601030101010101" charset="-122"/>
+                        <a:ea typeface="方正舒体" panose="02010601030101010101" charset="-122"/>
+                      </a:endParaRPr>
+                    </a:p>
+                  </a:txBody>
+                  <a:tcPr/>
+                </a:tc>
+                <a:tc>
+                  <a:txBody>
+                    <a:bodyPr/>
+                    <a:p>
+                      <a:pPr>
+                        <a:buNone/>
+                      </a:pPr>
+                      <a:r>
+                        <a:rPr lang="zh-CN" altLang="en-US">
+                          <a:solidFill>
+                            <a:schemeClr val="tx1"/>
+                          </a:solidFill>
+                          <a:latin typeface="方正舒体" panose="02010601030101010101" charset="-122"/>
+                          <a:ea typeface="方正舒体" panose="02010601030101010101" charset="-122"/>
+                        </a:rPr>
+                        <a:t>孙燕姿</a:t>
+                      </a:r>
+                      <a:endParaRPr lang="zh-CN" altLang="en-US">
+                        <a:solidFill>
+                          <a:schemeClr val="tx1"/>
+                        </a:solidFill>
+                        <a:latin typeface="方正舒体" panose="02010601030101010101" charset="-122"/>
+                        <a:ea typeface="方正舒体" panose="02010601030101010101" charset="-122"/>
+                      </a:endParaRPr>
+                    </a:p>
+                  </a:txBody>
+                  <a:tcPr/>
+                </a:tc>
+                <a:tc>
+                  <a:txBody>
+                    <a:bodyPr/>
+                    <a:p>
+                      <a:pPr>
+                        <a:buNone/>
+                      </a:pPr>
+                      <a:r>
+                        <a:rPr lang="en-US" altLang="zh-CN">
+                          <a:solidFill>
+                            <a:schemeClr val="tx1"/>
+                          </a:solidFill>
+                          <a:latin typeface="方正舒体" panose="02010601030101010101" charset="-122"/>
+                          <a:ea typeface="方正舒体" panose="02010601030101010101" charset="-122"/>
+                        </a:rPr>
+                        <a:t>15519825326</a:t>
+                      </a:r>
+                      <a:endParaRPr lang="en-US" altLang="zh-CN">
+                        <a:solidFill>
+                          <a:schemeClr val="tx1"/>
+                        </a:solidFill>
+                        <a:latin typeface="方正舒体" panose="02010601030101010101" charset="-122"/>
+                        <a:ea typeface="方正舒体" panose="02010601030101010101" charset="-122"/>
+                      </a:endParaRPr>
+                    </a:p>
+                  </a:txBody>
+                  <a:tcPr/>
+                </a:tc>
+              </a:tr>
+            </a:tbl>
+          </a:graphicData>
+        </a:graphic>
+      </p:graphicFrame>
     </p:spTree>
   </p:cSld>
   <p:clrMapOvr>
@@ -3779,6 +7044,492 @@
         <p:nvPr/>
       </p:nvGrpSpPr>
       <p:grpSpPr/>
+      <p:sp>
+        <p:nvSpPr>
+          <p:cNvPr id="2" name="流程图: 磁盘 1"/>
+          <p:cNvSpPr/>
+          <p:nvPr/>
+        </p:nvSpPr>
+        <p:spPr>
+          <a:xfrm>
+            <a:off x="2315845" y="2232025"/>
+            <a:ext cx="1004570" cy="1301115"/>
+          </a:xfrm>
+          <a:prstGeom prst="flowChartMagneticDisk">
+            <a:avLst/>
+          </a:prstGeom>
+          <a:solidFill>
+            <a:schemeClr val="accent6">
+              <a:lumMod val="20000"/>
+              <a:lumOff val="80000"/>
+            </a:schemeClr>
+          </a:solidFill>
+          <a:ln>
+            <a:solidFill>
+              <a:schemeClr val="tx1"/>
+            </a:solidFill>
+          </a:ln>
+        </p:spPr>
+        <p:style>
+          <a:lnRef idx="2">
+            <a:schemeClr val="accent1">
+              <a:shade val="50000"/>
+            </a:schemeClr>
+          </a:lnRef>
+          <a:fillRef idx="1">
+            <a:schemeClr val="accent1"/>
+          </a:fillRef>
+          <a:effectRef idx="0">
+            <a:schemeClr val="accent1"/>
+          </a:effectRef>
+          <a:fontRef idx="minor">
+            <a:schemeClr val="lt1"/>
+          </a:fontRef>
+        </p:style>
+        <p:txBody>
+          <a:bodyPr rtlCol="0" anchor="ctr"/>
+          <a:p>
+            <a:pPr algn="ctr"/>
+            <a:r>
+              <a:rPr lang="zh-CN" altLang="en-US" sz="1600">
+                <a:solidFill>
+                  <a:schemeClr val="tx1"/>
+                </a:solidFill>
+              </a:rPr>
+              <a:t>数据库</a:t>
+            </a:r>
+            <a:endParaRPr lang="zh-CN" altLang="en-US">
+              <a:solidFill>
+                <a:schemeClr val="tx1"/>
+              </a:solidFill>
+            </a:endParaRPr>
+          </a:p>
+        </p:txBody>
+      </p:sp>
+      <p:sp>
+        <p:nvSpPr>
+          <p:cNvPr id="3" name="流程图: 磁盘 2"/>
+          <p:cNvSpPr/>
+          <p:nvPr/>
+        </p:nvSpPr>
+        <p:spPr>
+          <a:xfrm>
+            <a:off x="6941185" y="2232025"/>
+            <a:ext cx="1066800" cy="1301115"/>
+          </a:xfrm>
+          <a:prstGeom prst="flowChartMagneticDisk">
+            <a:avLst/>
+          </a:prstGeom>
+          <a:solidFill>
+            <a:schemeClr val="accent4">
+              <a:lumMod val="40000"/>
+              <a:lumOff val="60000"/>
+            </a:schemeClr>
+          </a:solidFill>
+          <a:ln>
+            <a:solidFill>
+              <a:schemeClr val="tx1"/>
+            </a:solidFill>
+          </a:ln>
+        </p:spPr>
+        <p:style>
+          <a:lnRef idx="2">
+            <a:schemeClr val="accent1">
+              <a:shade val="50000"/>
+            </a:schemeClr>
+          </a:lnRef>
+          <a:fillRef idx="1">
+            <a:schemeClr val="accent1"/>
+          </a:fillRef>
+          <a:effectRef idx="0">
+            <a:schemeClr val="accent1"/>
+          </a:effectRef>
+          <a:fontRef idx="minor">
+            <a:schemeClr val="lt1"/>
+          </a:fontRef>
+        </p:style>
+        <p:txBody>
+          <a:bodyPr rtlCol="0" anchor="ctr"/>
+          <a:p>
+            <a:pPr algn="ctr"/>
+            <a:r>
+              <a:rPr lang="zh-CN" altLang="en-US" sz="1600">
+                <a:solidFill>
+                  <a:schemeClr val="tx1"/>
+                </a:solidFill>
+              </a:rPr>
+              <a:t>数据库</a:t>
+            </a:r>
+            <a:endParaRPr lang="zh-CN" altLang="en-US">
+              <a:solidFill>
+                <a:schemeClr val="tx1"/>
+              </a:solidFill>
+            </a:endParaRPr>
+          </a:p>
+        </p:txBody>
+      </p:sp>
+      <p:sp>
+        <p:nvSpPr>
+          <p:cNvPr id="5" name="剪去单角的矩形 4"/>
+          <p:cNvSpPr/>
+          <p:nvPr/>
+        </p:nvSpPr>
+        <p:spPr>
+          <a:xfrm flipH="1">
+            <a:off x="2315845" y="3994150"/>
+            <a:ext cx="1004570" cy="1038860"/>
+          </a:xfrm>
+          <a:prstGeom prst="snip1Rect">
+            <a:avLst/>
+          </a:prstGeom>
+          <a:solidFill>
+            <a:schemeClr val="accent6">
+              <a:lumMod val="20000"/>
+              <a:lumOff val="80000"/>
+            </a:schemeClr>
+          </a:solidFill>
+          <a:ln>
+            <a:solidFill>
+              <a:schemeClr val="tx1"/>
+            </a:solidFill>
+          </a:ln>
+        </p:spPr>
+        <p:style>
+          <a:lnRef idx="2">
+            <a:schemeClr val="accent1">
+              <a:shade val="50000"/>
+            </a:schemeClr>
+          </a:lnRef>
+          <a:fillRef idx="1">
+            <a:schemeClr val="accent1"/>
+          </a:fillRef>
+          <a:effectRef idx="0">
+            <a:schemeClr val="accent1"/>
+          </a:effectRef>
+          <a:fontRef idx="minor">
+            <a:schemeClr val="lt1"/>
+          </a:fontRef>
+        </p:style>
+        <p:txBody>
+          <a:bodyPr vertOverflow="overflow" horzOverflow="overflow" vert="horz" wrap="square" numCol="1" spcCol="0" rtlCol="0" fromWordArt="0" anchor="ctr" anchorCtr="0" forceAA="0" compatLnSpc="1">
+            <a:noAutofit/>
+          </a:bodyPr>
+          <a:p>
+            <a:pPr lvl="0" algn="ctr">
+              <a:buClrTx/>
+              <a:buSzTx/>
+              <a:buFontTx/>
+            </a:pPr>
+            <a:r>
+              <a:rPr lang="zh-CN" altLang="en-US" sz="1600">
+                <a:solidFill>
+                  <a:schemeClr val="tx1"/>
+                </a:solidFill>
+                <a:sym typeface="+mn-ea"/>
+              </a:rPr>
+              <a:t>文件</a:t>
+            </a:r>
+            <a:endParaRPr lang="zh-CN" altLang="en-US" sz="1600">
+              <a:solidFill>
+                <a:schemeClr val="tx1"/>
+              </a:solidFill>
+              <a:sym typeface="+mn-ea"/>
+            </a:endParaRPr>
+          </a:p>
+        </p:txBody>
+      </p:sp>
+      <p:sp>
+        <p:nvSpPr>
+          <p:cNvPr id="6" name="剪去单角的矩形 5"/>
+          <p:cNvSpPr/>
+          <p:nvPr/>
+        </p:nvSpPr>
+        <p:spPr>
+          <a:xfrm flipH="1">
+            <a:off x="6941185" y="3994150"/>
+            <a:ext cx="1066800" cy="1038860"/>
+          </a:xfrm>
+          <a:prstGeom prst="snip1Rect">
+            <a:avLst/>
+          </a:prstGeom>
+          <a:solidFill>
+            <a:schemeClr val="accent4">
+              <a:lumMod val="40000"/>
+              <a:lumOff val="60000"/>
+            </a:schemeClr>
+          </a:solidFill>
+          <a:ln>
+            <a:solidFill>
+              <a:schemeClr val="tx1"/>
+            </a:solidFill>
+          </a:ln>
+        </p:spPr>
+        <p:style>
+          <a:lnRef idx="2">
+            <a:schemeClr val="accent1">
+              <a:shade val="50000"/>
+            </a:schemeClr>
+          </a:lnRef>
+          <a:fillRef idx="1">
+            <a:schemeClr val="accent1"/>
+          </a:fillRef>
+          <a:effectRef idx="0">
+            <a:schemeClr val="accent1"/>
+          </a:effectRef>
+          <a:fontRef idx="minor">
+            <a:schemeClr val="lt1"/>
+          </a:fontRef>
+        </p:style>
+        <p:txBody>
+          <a:bodyPr vertOverflow="overflow" horzOverflow="overflow" vert="horz" wrap="square" numCol="1" spcCol="0" rtlCol="0" fromWordArt="0" anchor="ctr" anchorCtr="0" forceAA="0" compatLnSpc="1">
+            <a:noAutofit/>
+          </a:bodyPr>
+          <a:p>
+            <a:pPr lvl="0" algn="ctr">
+              <a:buClrTx/>
+              <a:buSzTx/>
+              <a:buFontTx/>
+            </a:pPr>
+            <a:r>
+              <a:rPr lang="zh-CN" altLang="en-US" sz="1600">
+                <a:solidFill>
+                  <a:schemeClr val="tx1"/>
+                </a:solidFill>
+                <a:sym typeface="+mn-ea"/>
+              </a:rPr>
+              <a:t>文件</a:t>
+            </a:r>
+            <a:endParaRPr lang="zh-CN" altLang="en-US" sz="1600">
+              <a:solidFill>
+                <a:schemeClr val="tx1"/>
+              </a:solidFill>
+              <a:sym typeface="+mn-ea"/>
+            </a:endParaRPr>
+          </a:p>
+        </p:txBody>
+      </p:sp>
+      <p:sp>
+        <p:nvSpPr>
+          <p:cNvPr id="7" name="矩形 6"/>
+          <p:cNvSpPr/>
+          <p:nvPr/>
+        </p:nvSpPr>
+        <p:spPr>
+          <a:xfrm>
+            <a:off x="4702810" y="2982595"/>
+            <a:ext cx="1123315" cy="1334135"/>
+          </a:xfrm>
+          <a:prstGeom prst="rect">
+            <a:avLst/>
+          </a:prstGeom>
+        </p:spPr>
+        <p:style>
+          <a:lnRef idx="2">
+            <a:schemeClr val="accent1">
+              <a:shade val="50000"/>
+            </a:schemeClr>
+          </a:lnRef>
+          <a:fillRef idx="1">
+            <a:schemeClr val="accent1"/>
+          </a:fillRef>
+          <a:effectRef idx="0">
+            <a:schemeClr val="accent1"/>
+          </a:effectRef>
+          <a:fontRef idx="minor">
+            <a:schemeClr val="lt1"/>
+          </a:fontRef>
+        </p:style>
+        <p:txBody>
+          <a:bodyPr rtlCol="0" anchor="ctr"/>
+          <a:p>
+            <a:pPr algn="ctr"/>
+            <a:r>
+              <a:rPr lang="zh-CN" altLang="en-US"/>
+              <a:t>静态脱敏</a:t>
+            </a:r>
+            <a:endParaRPr lang="zh-CN" altLang="en-US"/>
+          </a:p>
+        </p:txBody>
+      </p:sp>
+      <p:cxnSp>
+        <p:nvCxnSpPr>
+          <p:cNvPr id="8" name="曲线连接符 7"/>
+          <p:cNvCxnSpPr>
+            <a:stCxn id="2" idx="4"/>
+            <a:endCxn id="7" idx="1"/>
+          </p:cNvCxnSpPr>
+          <p:nvPr/>
+        </p:nvCxnSpPr>
+        <p:spPr>
+          <a:xfrm>
+            <a:off x="3320415" y="2882900"/>
+            <a:ext cx="1382395" cy="767080"/>
+          </a:xfrm>
+          <a:prstGeom prst="curvedConnector3">
+            <a:avLst>
+              <a:gd name="adj1" fmla="val 50023"/>
+            </a:avLst>
+          </a:prstGeom>
+          <a:ln w="19050">
+            <a:solidFill>
+              <a:schemeClr val="accent2">
+                <a:lumMod val="60000"/>
+                <a:lumOff val="40000"/>
+              </a:schemeClr>
+            </a:solidFill>
+            <a:prstDash val="sysDash"/>
+            <a:tailEnd type="arrow"/>
+          </a:ln>
+        </p:spPr>
+        <p:style>
+          <a:lnRef idx="1">
+            <a:schemeClr val="accent1"/>
+          </a:lnRef>
+          <a:fillRef idx="0">
+            <a:schemeClr val="accent1"/>
+          </a:fillRef>
+          <a:effectRef idx="0">
+            <a:schemeClr val="accent1"/>
+          </a:effectRef>
+          <a:fontRef idx="minor">
+            <a:schemeClr val="tx1"/>
+          </a:fontRef>
+        </p:style>
+      </p:cxnSp>
+      <p:cxnSp>
+        <p:nvCxnSpPr>
+          <p:cNvPr id="9" name="曲线连接符 8"/>
+          <p:cNvCxnSpPr>
+            <a:stCxn id="5" idx="2"/>
+            <a:endCxn id="7" idx="1"/>
+          </p:cNvCxnSpPr>
+          <p:nvPr/>
+        </p:nvCxnSpPr>
+        <p:spPr>
+          <a:xfrm flipV="1">
+            <a:off x="3320415" y="3649980"/>
+            <a:ext cx="1382395" cy="863600"/>
+          </a:xfrm>
+          <a:prstGeom prst="curvedConnector3">
+            <a:avLst>
+              <a:gd name="adj1" fmla="val 50023"/>
+            </a:avLst>
+          </a:prstGeom>
+          <a:ln w="19050">
+            <a:solidFill>
+              <a:schemeClr val="accent2">
+                <a:lumMod val="60000"/>
+                <a:lumOff val="40000"/>
+              </a:schemeClr>
+            </a:solidFill>
+            <a:prstDash val="sysDash"/>
+            <a:tailEnd type="arrow"/>
+          </a:ln>
+        </p:spPr>
+        <p:style>
+          <a:lnRef idx="1">
+            <a:schemeClr val="accent1"/>
+          </a:lnRef>
+          <a:fillRef idx="0">
+            <a:schemeClr val="accent1"/>
+          </a:fillRef>
+          <a:effectRef idx="0">
+            <a:schemeClr val="accent1"/>
+          </a:effectRef>
+          <a:fontRef idx="minor">
+            <a:schemeClr val="tx1"/>
+          </a:fontRef>
+        </p:style>
+      </p:cxnSp>
+      <p:cxnSp>
+        <p:nvCxnSpPr>
+          <p:cNvPr id="10" name="曲线连接符 9"/>
+          <p:cNvCxnSpPr>
+            <a:stCxn id="7" idx="3"/>
+            <a:endCxn id="3" idx="2"/>
+          </p:cNvCxnSpPr>
+          <p:nvPr/>
+        </p:nvCxnSpPr>
+        <p:spPr>
+          <a:xfrm flipV="1">
+            <a:off x="5826125" y="2882900"/>
+            <a:ext cx="1115060" cy="767080"/>
+          </a:xfrm>
+          <a:prstGeom prst="curvedConnector3">
+            <a:avLst>
+              <a:gd name="adj1" fmla="val 50000"/>
+            </a:avLst>
+          </a:prstGeom>
+          <a:ln w="19050">
+            <a:solidFill>
+              <a:schemeClr val="accent2">
+                <a:lumMod val="60000"/>
+                <a:lumOff val="40000"/>
+              </a:schemeClr>
+            </a:solidFill>
+            <a:prstDash val="sysDash"/>
+            <a:tailEnd type="arrow"/>
+          </a:ln>
+        </p:spPr>
+        <p:style>
+          <a:lnRef idx="1">
+            <a:schemeClr val="accent1"/>
+          </a:lnRef>
+          <a:fillRef idx="0">
+            <a:schemeClr val="accent1"/>
+          </a:fillRef>
+          <a:effectRef idx="0">
+            <a:schemeClr val="accent1"/>
+          </a:effectRef>
+          <a:fontRef idx="minor">
+            <a:schemeClr val="tx1"/>
+          </a:fontRef>
+        </p:style>
+      </p:cxnSp>
+      <p:cxnSp>
+        <p:nvCxnSpPr>
+          <p:cNvPr id="11" name="曲线连接符 10"/>
+          <p:cNvCxnSpPr>
+            <a:endCxn id="6" idx="0"/>
+          </p:cNvCxnSpPr>
+          <p:nvPr/>
+        </p:nvCxnSpPr>
+        <p:spPr>
+          <a:xfrm>
+            <a:off x="5831840" y="3635375"/>
+            <a:ext cx="1109345" cy="878205"/>
+          </a:xfrm>
+          <a:prstGeom prst="curvedConnector3">
+            <a:avLst>
+              <a:gd name="adj1" fmla="val 50029"/>
+            </a:avLst>
+          </a:prstGeom>
+          <a:ln w="19050">
+            <a:solidFill>
+              <a:schemeClr val="accent2">
+                <a:lumMod val="60000"/>
+                <a:lumOff val="40000"/>
+              </a:schemeClr>
+            </a:solidFill>
+            <a:prstDash val="sysDash"/>
+            <a:tailEnd type="arrow"/>
+          </a:ln>
+        </p:spPr>
+        <p:style>
+          <a:lnRef idx="1">
+            <a:schemeClr val="accent1"/>
+          </a:lnRef>
+          <a:fillRef idx="0">
+            <a:schemeClr val="accent1"/>
+          </a:fillRef>
+          <a:effectRef idx="0">
+            <a:schemeClr val="accent1"/>
+          </a:effectRef>
+          <a:fontRef idx="minor">
+            <a:schemeClr val="tx1"/>
+          </a:fontRef>
+        </p:style>
+      </p:cxnSp>
     </p:spTree>
   </p:cSld>
   <p:clrMapOvr>
@@ -3857,6 +7608,72 @@
     <a:masterClrMapping/>
   </p:clrMapOvr>
 </p:sld>
+</file>
+
+<file path=ppt/slides/slide9.xml><?xml version="1.0" encoding="utf-8"?>
+<p:sld xmlns:a="http://schemas.openxmlformats.org/drawingml/2006/main" xmlns:r="http://schemas.openxmlformats.org/officeDocument/2006/relationships" xmlns:p="http://schemas.openxmlformats.org/presentationml/2006/main">
+  <p:cSld>
+    <p:spTree>
+      <p:nvGrpSpPr>
+        <p:cNvPr id="1" name=""/>
+        <p:cNvGrpSpPr/>
+        <p:nvPr/>
+      </p:nvGrpSpPr>
+      <p:grpSpPr/>
+    </p:spTree>
+  </p:cSld>
+  <p:clrMapOvr>
+    <a:masterClrMapping/>
+  </p:clrMapOvr>
+</p:sld>
+</file>
+
+<file path=ppt/tags/tag1.xml><?xml version="1.0" encoding="utf-8"?>
+<p:tagLst xmlns:p="http://schemas.openxmlformats.org/presentationml/2006/main">
+  <p:tag name="KSO_WM_UNIT_TABLE_BEAUTIFY" val="smartTable{0cf211ae-908d-4c3a-9d32-a88b2d61a9e5}"/>
+  <p:tag name="TABLE_ENDDRAG_ORIGIN_RECT" val="171*84"/>
+  <p:tag name="TABLE_ENDDRAG_RECT" val="142*295*171*84"/>
+</p:tagLst>
+</file>
+
+<file path=ppt/tags/tag2.xml><?xml version="1.0" encoding="utf-8"?>
+<p:tagLst xmlns:p="http://schemas.openxmlformats.org/presentationml/2006/main">
+  <p:tag name="KSO_WM_UNIT_TABLE_BEAUTIFY" val="smartTable{fe1271cf-e481-4337-b4ee-2ed1815dbb9c}"/>
+  <p:tag name="TABLE_ENDDRAG_ORIGIN_RECT" val="235*86"/>
+  <p:tag name="TABLE_ENDDRAG_RECT" val="666*399*235*86"/>
+</p:tagLst>
+</file>
+
+<file path=ppt/tags/tag3.xml><?xml version="1.0" encoding="utf-8"?>
+<p:tagLst xmlns:p="http://schemas.openxmlformats.org/presentationml/2006/main">
+  <p:tag name="KSO_WM_UNIT_TABLE_BEAUTIFY" val="smartTable{f8a86f20-33c5-47dd-b34e-ef7bf08f949b}"/>
+  <p:tag name="TABLE_ENDDRAG_ORIGIN_RECT" val="171*84"/>
+  <p:tag name="TABLE_ENDDRAG_RECT" val="142*295*171*84"/>
+</p:tagLst>
+</file>
+
+<file path=ppt/tags/tag4.xml><?xml version="1.0" encoding="utf-8"?>
+<p:tagLst xmlns:p="http://schemas.openxmlformats.org/presentationml/2006/main">
+  <p:tag name="KSO_WM_UNIT_TABLE_BEAUTIFY" val="smartTable{0cf211ae-908d-4c3a-9d32-a88b2d61a9e5}"/>
+  <p:tag name="TABLE_ENDDRAG_ORIGIN_RECT" val="171*84"/>
+  <p:tag name="TABLE_ENDDRAG_RECT" val="142*295*171*84"/>
+</p:tagLst>
+</file>
+
+<file path=ppt/tags/tag5.xml><?xml version="1.0" encoding="utf-8"?>
+<p:tagLst xmlns:p="http://schemas.openxmlformats.org/presentationml/2006/main">
+  <p:tag name="KSO_WM_UNIT_TABLE_BEAUTIFY" val="smartTable{fe1271cf-e481-4337-b4ee-2ed1815dbb9c}"/>
+  <p:tag name="TABLE_ENDDRAG_ORIGIN_RECT" val="235*86"/>
+  <p:tag name="TABLE_ENDDRAG_RECT" val="666*399*235*86"/>
+</p:tagLst>
+</file>
+
+<file path=ppt/tags/tag6.xml><?xml version="1.0" encoding="utf-8"?>
+<p:tagLst xmlns:p="http://schemas.openxmlformats.org/presentationml/2006/main">
+  <p:tag name="KSO_WM_UNIT_TABLE_BEAUTIFY" val="smartTable{6ac65188-5b1a-4c73-84d3-ab5ea686b5fe}"/>
+  <p:tag name="TABLE_ENDDRAG_ORIGIN_RECT" val="235*86"/>
+  <p:tag name="TABLE_ENDDRAG_RECT" val="666*399*235*86"/>
+</p:tagLst>
 </file>
 
 <file path=ppt/theme/theme1.xml><?xml version="1.0" encoding="utf-8"?>

--- a/diagram/图例.pptx
+++ b/diagram/图例.pptx
@@ -4,16 +4,19 @@
   <p:sldMasterIdLst>
     <p:sldMasterId id="2147483648" r:id="rId1"/>
   </p:sldMasterIdLst>
+  <p:notesMasterIdLst>
+    <p:notesMasterId r:id="rId8"/>
+  </p:notesMasterIdLst>
   <p:sldIdLst>
     <p:sldId id="256" r:id="rId3"/>
     <p:sldId id="257" r:id="rId4"/>
     <p:sldId id="264" r:id="rId5"/>
     <p:sldId id="258" r:id="rId6"/>
     <p:sldId id="259" r:id="rId7"/>
-    <p:sldId id="260" r:id="rId8"/>
-    <p:sldId id="261" r:id="rId9"/>
-    <p:sldId id="262" r:id="rId10"/>
-    <p:sldId id="263" r:id="rId11"/>
+    <p:sldId id="260" r:id="rId9"/>
+    <p:sldId id="261" r:id="rId10"/>
+    <p:sldId id="262" r:id="rId11"/>
+    <p:sldId id="263" r:id="rId12"/>
   </p:sldIdLst>
   <p:sldSz cx="12192000" cy="6858000"/>
   <p:notesSz cx="6858000" cy="9144000"/>
@@ -113,6 +116,401 @@
     </a:lvl9pPr>
   </p:defaultTextStyle>
 </p:presentation>
+</file>
+
+<file path=ppt/notesMasters/notesMaster1.xml><?xml version="1.0" encoding="utf-8"?>
+<p:notesMaster xmlns:a="http://schemas.openxmlformats.org/drawingml/2006/main" xmlns:r="http://schemas.openxmlformats.org/officeDocument/2006/relationships" xmlns:p="http://schemas.openxmlformats.org/presentationml/2006/main">
+  <p:cSld>
+    <p:bg>
+      <p:bgRef idx="1001">
+        <a:schemeClr val="bg1"/>
+      </p:bgRef>
+    </p:bg>
+    <p:spTree>
+      <p:nvGrpSpPr>
+        <p:cNvPr id="1" name=""/>
+        <p:cNvGrpSpPr/>
+        <p:nvPr/>
+      </p:nvGrpSpPr>
+      <p:grpSpPr>
+        <a:xfrm>
+          <a:off x="0" y="0"/>
+          <a:ext cx="0" cy="0"/>
+          <a:chOff x="0" y="0"/>
+          <a:chExt cx="0" cy="0"/>
+        </a:xfrm>
+      </p:grpSpPr>
+      <p:sp>
+        <p:nvSpPr>
+          <p:cNvPr id="2" name="页眉占位符 1"/>
+          <p:cNvSpPr>
+            <a:spLocks noGrp="1"/>
+          </p:cNvSpPr>
+          <p:nvPr>
+            <p:ph type="hdr" sz="quarter"/>
+          </p:nvPr>
+        </p:nvSpPr>
+        <p:spPr>
+          <a:xfrm>
+            <a:off x="0" y="0"/>
+            <a:ext cx="2971800" cy="458788"/>
+          </a:xfrm>
+          <a:prstGeom prst="rect">
+            <a:avLst/>
+          </a:prstGeom>
+        </p:spPr>
+        <p:txBody>
+          <a:bodyPr vert="horz" lIns="91440" tIns="45720" rIns="91440" bIns="45720" rtlCol="0"/>
+          <a:lstStyle>
+            <a:lvl1pPr algn="l">
+              <a:defRPr sz="1200"/>
+            </a:lvl1pPr>
+          </a:lstStyle>
+          <a:p>
+            <a:endParaRPr lang="zh-CN" altLang="en-US"/>
+          </a:p>
+        </p:txBody>
+      </p:sp>
+      <p:sp>
+        <p:nvSpPr>
+          <p:cNvPr id="3" name="日期占位符 2"/>
+          <p:cNvSpPr>
+            <a:spLocks noGrp="1"/>
+          </p:cNvSpPr>
+          <p:nvPr>
+            <p:ph type="dt" idx="1"/>
+          </p:nvPr>
+        </p:nvSpPr>
+        <p:spPr>
+          <a:xfrm>
+            <a:off x="3884613" y="0"/>
+            <a:ext cx="2971800" cy="458788"/>
+          </a:xfrm>
+          <a:prstGeom prst="rect">
+            <a:avLst/>
+          </a:prstGeom>
+        </p:spPr>
+        <p:txBody>
+          <a:bodyPr vert="horz" lIns="91440" tIns="45720" rIns="91440" bIns="45720" rtlCol="0"/>
+          <a:lstStyle>
+            <a:lvl1pPr algn="r">
+              <a:defRPr sz="1200"/>
+            </a:lvl1pPr>
+          </a:lstStyle>
+          <a:p>
+            <a:fld id="{D2A48B96-639E-45A3-A0BA-2464DFDB1FAA}" type="datetimeFigureOut">
+              <a:rPr lang="zh-CN" altLang="en-US" smtClean="0"/>
+            </a:fld>
+            <a:endParaRPr lang="zh-CN" altLang="en-US"/>
+          </a:p>
+        </p:txBody>
+      </p:sp>
+      <p:sp>
+        <p:nvSpPr>
+          <p:cNvPr id="4" name="幻灯片图像占位符 3"/>
+          <p:cNvSpPr>
+            <a:spLocks noGrp="1" noRot="1" noChangeAspect="1"/>
+          </p:cNvSpPr>
+          <p:nvPr>
+            <p:ph type="sldImg" idx="2"/>
+          </p:nvPr>
+        </p:nvSpPr>
+        <p:spPr>
+          <a:xfrm>
+            <a:off x="685800" y="1143000"/>
+            <a:ext cx="5486400" cy="3086100"/>
+          </a:xfrm>
+          <a:prstGeom prst="rect">
+            <a:avLst/>
+          </a:prstGeom>
+          <a:noFill/>
+          <a:ln w="12700">
+            <a:solidFill>
+              <a:prstClr val="black"/>
+            </a:solidFill>
+          </a:ln>
+        </p:spPr>
+        <p:txBody>
+          <a:bodyPr vert="horz" lIns="91440" tIns="45720" rIns="91440" bIns="45720" rtlCol="0" anchor="ctr"/>
+          <a:lstStyle/>
+          <a:p>
+            <a:endParaRPr lang="zh-CN" altLang="en-US"/>
+          </a:p>
+        </p:txBody>
+      </p:sp>
+      <p:sp>
+        <p:nvSpPr>
+          <p:cNvPr id="5" name="备注占位符 4"/>
+          <p:cNvSpPr>
+            <a:spLocks noGrp="1"/>
+          </p:cNvSpPr>
+          <p:nvPr>
+            <p:ph type="body" sz="quarter" idx="3"/>
+          </p:nvPr>
+        </p:nvSpPr>
+        <p:spPr>
+          <a:xfrm>
+            <a:off x="685800" y="4400550"/>
+            <a:ext cx="5486400" cy="3600450"/>
+          </a:xfrm>
+          <a:prstGeom prst="rect">
+            <a:avLst/>
+          </a:prstGeom>
+        </p:spPr>
+        <p:txBody>
+          <a:bodyPr vert="horz" lIns="91440" tIns="45720" rIns="91440" bIns="45720" rtlCol="0"/>
+          <a:lstStyle/>
+          <a:p>
+            <a:pPr lvl="0"/>
+            <a:r>
+              <a:rPr lang="zh-CN" altLang="en-US" smtClean="0"/>
+              <a:t>单击此处编辑母版文本样式</a:t>
+            </a:r>
+            <a:endParaRPr lang="zh-CN" altLang="en-US" smtClean="0"/>
+          </a:p>
+          <a:p>
+            <a:pPr lvl="1"/>
+            <a:r>
+              <a:rPr lang="zh-CN" altLang="en-US" smtClean="0"/>
+              <a:t>第二级</a:t>
+            </a:r>
+            <a:endParaRPr lang="zh-CN" altLang="en-US" smtClean="0"/>
+          </a:p>
+          <a:p>
+            <a:pPr lvl="2"/>
+            <a:r>
+              <a:rPr lang="zh-CN" altLang="en-US" smtClean="0"/>
+              <a:t>第三级</a:t>
+            </a:r>
+            <a:endParaRPr lang="zh-CN" altLang="en-US" smtClean="0"/>
+          </a:p>
+          <a:p>
+            <a:pPr lvl="3"/>
+            <a:r>
+              <a:rPr lang="zh-CN" altLang="en-US" smtClean="0"/>
+              <a:t>第四级</a:t>
+            </a:r>
+            <a:endParaRPr lang="zh-CN" altLang="en-US" smtClean="0"/>
+          </a:p>
+          <a:p>
+            <a:pPr lvl="4"/>
+            <a:r>
+              <a:rPr lang="zh-CN" altLang="en-US" smtClean="0"/>
+              <a:t>第五级</a:t>
+            </a:r>
+            <a:endParaRPr lang="zh-CN" altLang="en-US"/>
+          </a:p>
+        </p:txBody>
+      </p:sp>
+      <p:sp>
+        <p:nvSpPr>
+          <p:cNvPr id="6" name="页脚占位符 5"/>
+          <p:cNvSpPr>
+            <a:spLocks noGrp="1"/>
+          </p:cNvSpPr>
+          <p:nvPr>
+            <p:ph type="ftr" sz="quarter" idx="4"/>
+          </p:nvPr>
+        </p:nvSpPr>
+        <p:spPr>
+          <a:xfrm>
+            <a:off x="0" y="8685213"/>
+            <a:ext cx="2971800" cy="458787"/>
+          </a:xfrm>
+          <a:prstGeom prst="rect">
+            <a:avLst/>
+          </a:prstGeom>
+        </p:spPr>
+        <p:txBody>
+          <a:bodyPr vert="horz" lIns="91440" tIns="45720" rIns="91440" bIns="45720" rtlCol="0" anchor="b"/>
+          <a:lstStyle>
+            <a:lvl1pPr algn="l">
+              <a:defRPr sz="1200"/>
+            </a:lvl1pPr>
+          </a:lstStyle>
+          <a:p>
+            <a:endParaRPr lang="zh-CN" altLang="en-US"/>
+          </a:p>
+        </p:txBody>
+      </p:sp>
+      <p:sp>
+        <p:nvSpPr>
+          <p:cNvPr id="7" name="灯片编号占位符 6"/>
+          <p:cNvSpPr>
+            <a:spLocks noGrp="1"/>
+          </p:cNvSpPr>
+          <p:nvPr>
+            <p:ph type="sldNum" sz="quarter" idx="5"/>
+          </p:nvPr>
+        </p:nvSpPr>
+        <p:spPr>
+          <a:xfrm>
+            <a:off x="3884613" y="8685213"/>
+            <a:ext cx="2971800" cy="458787"/>
+          </a:xfrm>
+          <a:prstGeom prst="rect">
+            <a:avLst/>
+          </a:prstGeom>
+        </p:spPr>
+        <p:txBody>
+          <a:bodyPr vert="horz" lIns="91440" tIns="45720" rIns="91440" bIns="45720" rtlCol="0" anchor="b"/>
+          <a:lstStyle>
+            <a:lvl1pPr algn="r">
+              <a:defRPr sz="1200"/>
+            </a:lvl1pPr>
+          </a:lstStyle>
+          <a:p>
+            <a:fld id="{A6837353-30EB-4A48-80EB-173D804AEFBD}" type="slidenum">
+              <a:rPr lang="zh-CN" altLang="en-US" smtClean="0"/>
+            </a:fld>
+            <a:endParaRPr lang="zh-CN" altLang="en-US"/>
+          </a:p>
+        </p:txBody>
+      </p:sp>
+    </p:spTree>
+  </p:cSld>
+  <p:clrMap bg1="lt1" tx1="dk1" bg2="lt2" tx2="dk2" accent1="accent1" accent2="accent2" accent3="accent3" accent4="accent4" accent5="accent5" accent6="accent6" hlink="hlink" folHlink="folHlink"/>
+  <p:notesStyle>
+    <a:lvl1pPr marL="0" algn="l" defTabSz="914400" rtl="0" eaLnBrk="1" latinLnBrk="0" hangingPunct="1">
+      <a:defRPr sz="1200" kern="1200">
+        <a:solidFill>
+          <a:schemeClr val="tx1"/>
+        </a:solidFill>
+        <a:latin typeface="+mn-lt"/>
+        <a:ea typeface="+mn-ea"/>
+        <a:cs typeface="+mn-cs"/>
+      </a:defRPr>
+    </a:lvl1pPr>
+    <a:lvl2pPr marL="457200" algn="l" defTabSz="914400" rtl="0" eaLnBrk="1" latinLnBrk="0" hangingPunct="1">
+      <a:defRPr sz="1200" kern="1200">
+        <a:solidFill>
+          <a:schemeClr val="tx1"/>
+        </a:solidFill>
+        <a:latin typeface="+mn-lt"/>
+        <a:ea typeface="+mn-ea"/>
+        <a:cs typeface="+mn-cs"/>
+      </a:defRPr>
+    </a:lvl2pPr>
+    <a:lvl3pPr marL="914400" algn="l" defTabSz="914400" rtl="0" eaLnBrk="1" latinLnBrk="0" hangingPunct="1">
+      <a:defRPr sz="1200" kern="1200">
+        <a:solidFill>
+          <a:schemeClr val="tx1"/>
+        </a:solidFill>
+        <a:latin typeface="+mn-lt"/>
+        <a:ea typeface="+mn-ea"/>
+        <a:cs typeface="+mn-cs"/>
+      </a:defRPr>
+    </a:lvl3pPr>
+    <a:lvl4pPr marL="1371600" algn="l" defTabSz="914400" rtl="0" eaLnBrk="1" latinLnBrk="0" hangingPunct="1">
+      <a:defRPr sz="1200" kern="1200">
+        <a:solidFill>
+          <a:schemeClr val="tx1"/>
+        </a:solidFill>
+        <a:latin typeface="+mn-lt"/>
+        <a:ea typeface="+mn-ea"/>
+        <a:cs typeface="+mn-cs"/>
+      </a:defRPr>
+    </a:lvl4pPr>
+    <a:lvl5pPr marL="1828800" algn="l" defTabSz="914400" rtl="0" eaLnBrk="1" latinLnBrk="0" hangingPunct="1">
+      <a:defRPr sz="1200" kern="1200">
+        <a:solidFill>
+          <a:schemeClr val="tx1"/>
+        </a:solidFill>
+        <a:latin typeface="+mn-lt"/>
+        <a:ea typeface="+mn-ea"/>
+        <a:cs typeface="+mn-cs"/>
+      </a:defRPr>
+    </a:lvl5pPr>
+    <a:lvl6pPr marL="2286000" algn="l" defTabSz="914400" rtl="0" eaLnBrk="1" latinLnBrk="0" hangingPunct="1">
+      <a:defRPr sz="1200" kern="1200">
+        <a:solidFill>
+          <a:schemeClr val="tx1"/>
+        </a:solidFill>
+        <a:latin typeface="+mn-lt"/>
+        <a:ea typeface="+mn-ea"/>
+        <a:cs typeface="+mn-cs"/>
+      </a:defRPr>
+    </a:lvl6pPr>
+    <a:lvl7pPr marL="2743200" algn="l" defTabSz="914400" rtl="0" eaLnBrk="1" latinLnBrk="0" hangingPunct="1">
+      <a:defRPr sz="1200" kern="1200">
+        <a:solidFill>
+          <a:schemeClr val="tx1"/>
+        </a:solidFill>
+        <a:latin typeface="+mn-lt"/>
+        <a:ea typeface="+mn-ea"/>
+        <a:cs typeface="+mn-cs"/>
+      </a:defRPr>
+    </a:lvl7pPr>
+    <a:lvl8pPr marL="3200400" algn="l" defTabSz="914400" rtl="0" eaLnBrk="1" latinLnBrk="0" hangingPunct="1">
+      <a:defRPr sz="1200" kern="1200">
+        <a:solidFill>
+          <a:schemeClr val="tx1"/>
+        </a:solidFill>
+        <a:latin typeface="+mn-lt"/>
+        <a:ea typeface="+mn-ea"/>
+        <a:cs typeface="+mn-cs"/>
+      </a:defRPr>
+    </a:lvl8pPr>
+    <a:lvl9pPr marL="3657600" algn="l" defTabSz="914400" rtl="0" eaLnBrk="1" latinLnBrk="0" hangingPunct="1">
+      <a:defRPr sz="1200" kern="1200">
+        <a:solidFill>
+          <a:schemeClr val="tx1"/>
+        </a:solidFill>
+        <a:latin typeface="+mn-lt"/>
+        <a:ea typeface="+mn-ea"/>
+        <a:cs typeface="+mn-cs"/>
+      </a:defRPr>
+    </a:lvl9pPr>
+  </p:notesStyle>
+</p:notesMaster>
+</file>
+
+<file path=ppt/notesSlides/notesSlide1.xml><?xml version="1.0" encoding="utf-8"?>
+<p:notes xmlns:a="http://schemas.openxmlformats.org/drawingml/2006/main" xmlns:r="http://schemas.openxmlformats.org/officeDocument/2006/relationships" xmlns:p="http://schemas.openxmlformats.org/presentationml/2006/main">
+  <p:cSld>
+    <p:spTree>
+      <p:nvGrpSpPr>
+        <p:cNvPr id="1" name=""/>
+        <p:cNvGrpSpPr/>
+        <p:nvPr/>
+      </p:nvGrpSpPr>
+      <p:grpSpPr/>
+      <p:sp>
+        <p:nvSpPr>
+          <p:cNvPr id="2" name="幻灯片图像占位符 1"/>
+          <p:cNvSpPr/>
+          <p:nvPr>
+            <p:ph type="sldImg" idx="2"/>
+          </p:nvPr>
+        </p:nvSpPr>
+        <p:spPr/>
+      </p:sp>
+      <p:sp>
+        <p:nvSpPr>
+          <p:cNvPr id="3" name="文本占位符 2"/>
+          <p:cNvSpPr/>
+          <p:nvPr>
+            <p:ph type="body" idx="3"/>
+          </p:nvPr>
+        </p:nvSpPr>
+        <p:spPr/>
+        <p:txBody>
+          <a:bodyPr/>
+          <a:p>
+            <a:r>
+              <a:rPr lang="zh-CN" altLang="en-US"/>
+              <a:t>https://www.zhihu.com/question/22177404</a:t>
+            </a:r>
+            <a:endParaRPr lang="zh-CN" altLang="en-US"/>
+          </a:p>
+        </p:txBody>
+      </p:sp>
+    </p:spTree>
+  </p:cSld>
+  <p:clrMapOvr>
+    <a:masterClrMapping/>
+  </p:clrMapOvr>
+</p:notes>
 </file>
 
 <file path=ppt/slideLayouts/slideLayout1.xml><?xml version="1.0" encoding="utf-8"?>
@@ -7548,6 +7946,378 @@
         <p:nvPr/>
       </p:nvGrpSpPr>
       <p:grpSpPr/>
+      <p:sp>
+        <p:nvSpPr>
+          <p:cNvPr id="2" name="矩形 1"/>
+          <p:cNvSpPr/>
+          <p:nvPr/>
+        </p:nvSpPr>
+        <p:spPr>
+          <a:xfrm>
+            <a:off x="2167255" y="678180"/>
+            <a:ext cx="7988935" cy="5650230"/>
+          </a:xfrm>
+          <a:prstGeom prst="rect">
+            <a:avLst/>
+          </a:prstGeom>
+          <a:noFill/>
+          <a:ln w="19050">
+            <a:solidFill>
+              <a:schemeClr val="tx1"/>
+            </a:solidFill>
+            <a:prstDash val="sysDash"/>
+          </a:ln>
+        </p:spPr>
+        <p:style>
+          <a:lnRef idx="2">
+            <a:schemeClr val="accent1">
+              <a:shade val="50000"/>
+            </a:schemeClr>
+          </a:lnRef>
+          <a:fillRef idx="1">
+            <a:schemeClr val="accent1"/>
+          </a:fillRef>
+          <a:effectRef idx="0">
+            <a:schemeClr val="accent1"/>
+          </a:effectRef>
+          <a:fontRef idx="minor">
+            <a:schemeClr val="lt1"/>
+          </a:fontRef>
+        </p:style>
+        <p:txBody>
+          <a:bodyPr rtlCol="0" anchor="t" anchorCtr="0"/>
+          <a:p>
+            <a:pPr algn="ctr" fontAlgn="t"/>
+            <a:r>
+              <a:rPr lang="en-US" altLang="zh-CN">
+                <a:solidFill>
+                  <a:schemeClr val="tx1"/>
+                </a:solidFill>
+                <a:latin typeface="黑体" panose="02010609060101010101" charset="-122"/>
+                <a:ea typeface="黑体" panose="02010609060101010101" charset="-122"/>
+              </a:rPr>
+              <a:t>Kerberos(bigdata.com)</a:t>
+            </a:r>
+            <a:endParaRPr lang="en-US" altLang="zh-CN">
+              <a:solidFill>
+                <a:schemeClr val="tx1"/>
+              </a:solidFill>
+              <a:latin typeface="黑体" panose="02010609060101010101" charset="-122"/>
+              <a:ea typeface="黑体" panose="02010609060101010101" charset="-122"/>
+            </a:endParaRPr>
+          </a:p>
+        </p:txBody>
+      </p:sp>
+      <p:sp>
+        <p:nvSpPr>
+          <p:cNvPr id="3" name="矩形 2"/>
+          <p:cNvSpPr/>
+          <p:nvPr/>
+        </p:nvSpPr>
+        <p:spPr>
+          <a:xfrm>
+            <a:off x="7042785" y="1290955"/>
+            <a:ext cx="2861945" cy="4756150"/>
+          </a:xfrm>
+          <a:prstGeom prst="rect">
+            <a:avLst/>
+          </a:prstGeom>
+          <a:solidFill>
+            <a:schemeClr val="accent2">
+              <a:lumMod val="20000"/>
+              <a:lumOff val="80000"/>
+            </a:schemeClr>
+          </a:solidFill>
+          <a:ln w="15875">
+            <a:solidFill>
+              <a:schemeClr val="tx1"/>
+            </a:solidFill>
+          </a:ln>
+        </p:spPr>
+        <p:style>
+          <a:lnRef idx="2">
+            <a:schemeClr val="accent1">
+              <a:shade val="50000"/>
+            </a:schemeClr>
+          </a:lnRef>
+          <a:fillRef idx="1">
+            <a:schemeClr val="accent1"/>
+          </a:fillRef>
+          <a:effectRef idx="0">
+            <a:schemeClr val="accent1"/>
+          </a:effectRef>
+          <a:fontRef idx="minor">
+            <a:schemeClr val="lt1"/>
+          </a:fontRef>
+        </p:style>
+        <p:txBody>
+          <a:bodyPr rtlCol="0" anchor="t" anchorCtr="0"/>
+          <a:p>
+            <a:pPr algn="ctr"/>
+            <a:r>
+              <a:rPr lang="en-US" altLang="zh-CN">
+                <a:solidFill>
+                  <a:schemeClr val="tx1"/>
+                </a:solidFill>
+              </a:rPr>
+              <a:t>KDC</a:t>
+            </a:r>
+            <a:endParaRPr lang="en-US" altLang="zh-CN">
+              <a:solidFill>
+                <a:schemeClr val="tx1"/>
+              </a:solidFill>
+            </a:endParaRPr>
+          </a:p>
+        </p:txBody>
+      </p:sp>
+      <p:sp>
+        <p:nvSpPr>
+          <p:cNvPr id="4" name="矩形 3"/>
+          <p:cNvSpPr/>
+          <p:nvPr/>
+        </p:nvSpPr>
+        <p:spPr>
+          <a:xfrm>
+            <a:off x="7210425" y="2039620"/>
+            <a:ext cx="1292225" cy="1651635"/>
+          </a:xfrm>
+          <a:prstGeom prst="rect">
+            <a:avLst/>
+          </a:prstGeom>
+          <a:solidFill>
+            <a:schemeClr val="accent1">
+              <a:lumMod val="20000"/>
+              <a:lumOff val="80000"/>
+            </a:schemeClr>
+          </a:solidFill>
+          <a:ln w="15875">
+            <a:solidFill>
+              <a:schemeClr val="tx1"/>
+            </a:solidFill>
+          </a:ln>
+        </p:spPr>
+        <p:style>
+          <a:lnRef idx="2">
+            <a:schemeClr val="accent1">
+              <a:shade val="50000"/>
+            </a:schemeClr>
+          </a:lnRef>
+          <a:fillRef idx="1">
+            <a:schemeClr val="accent1"/>
+          </a:fillRef>
+          <a:effectRef idx="0">
+            <a:schemeClr val="accent1"/>
+          </a:effectRef>
+          <a:fontRef idx="minor">
+            <a:schemeClr val="lt1"/>
+          </a:fontRef>
+        </p:style>
+        <p:txBody>
+          <a:bodyPr rtlCol="0" anchor="ctr"/>
+          <a:p>
+            <a:pPr algn="ctr"/>
+            <a:r>
+              <a:rPr lang="en-US" altLang="zh-CN">
+                <a:solidFill>
+                  <a:schemeClr val="tx1"/>
+                </a:solidFill>
+              </a:rPr>
+              <a:t>AS</a:t>
+            </a:r>
+            <a:endParaRPr lang="en-US" altLang="zh-CN">
+              <a:solidFill>
+                <a:schemeClr val="tx1"/>
+              </a:solidFill>
+            </a:endParaRPr>
+          </a:p>
+        </p:txBody>
+      </p:sp>
+      <p:sp>
+        <p:nvSpPr>
+          <p:cNvPr id="5" name="矩形 4"/>
+          <p:cNvSpPr/>
+          <p:nvPr/>
+        </p:nvSpPr>
+        <p:spPr>
+          <a:xfrm>
+            <a:off x="7210425" y="4107815"/>
+            <a:ext cx="1292225" cy="1651635"/>
+          </a:xfrm>
+          <a:prstGeom prst="rect">
+            <a:avLst/>
+          </a:prstGeom>
+          <a:solidFill>
+            <a:schemeClr val="accent1">
+              <a:lumMod val="20000"/>
+              <a:lumOff val="80000"/>
+            </a:schemeClr>
+          </a:solidFill>
+          <a:ln w="15875">
+            <a:solidFill>
+              <a:schemeClr val="tx1"/>
+            </a:solidFill>
+          </a:ln>
+        </p:spPr>
+        <p:style>
+          <a:lnRef idx="2">
+            <a:schemeClr val="accent1">
+              <a:shade val="50000"/>
+            </a:schemeClr>
+          </a:lnRef>
+          <a:fillRef idx="1">
+            <a:schemeClr val="accent1"/>
+          </a:fillRef>
+          <a:effectRef idx="0">
+            <a:schemeClr val="accent1"/>
+          </a:effectRef>
+          <a:fontRef idx="minor">
+            <a:schemeClr val="lt1"/>
+          </a:fontRef>
+        </p:style>
+        <p:txBody>
+          <a:bodyPr rtlCol="0" anchor="ctr"/>
+          <a:p>
+            <a:pPr algn="ctr"/>
+            <a:r>
+              <a:rPr lang="en-US" altLang="zh-CN">
+                <a:solidFill>
+                  <a:schemeClr val="tx1"/>
+                </a:solidFill>
+              </a:rPr>
+              <a:t>TGS</a:t>
+            </a:r>
+            <a:endParaRPr lang="en-US" altLang="zh-CN">
+              <a:solidFill>
+                <a:schemeClr val="tx1"/>
+              </a:solidFill>
+            </a:endParaRPr>
+          </a:p>
+        </p:txBody>
+      </p:sp>
+      <p:sp>
+        <p:nvSpPr>
+          <p:cNvPr id="6" name="流程图: 磁盘 5"/>
+          <p:cNvSpPr/>
+          <p:nvPr/>
+        </p:nvSpPr>
+        <p:spPr>
+          <a:xfrm>
+            <a:off x="8666480" y="3079115"/>
+            <a:ext cx="1158240" cy="1370330"/>
+          </a:xfrm>
+          <a:prstGeom prst="flowChartMagneticDisk">
+            <a:avLst/>
+          </a:prstGeom>
+          <a:solidFill>
+            <a:schemeClr val="accent4">
+              <a:lumMod val="20000"/>
+              <a:lumOff val="80000"/>
+            </a:schemeClr>
+          </a:solidFill>
+          <a:ln>
+            <a:solidFill>
+              <a:schemeClr val="tx1"/>
+            </a:solidFill>
+          </a:ln>
+        </p:spPr>
+        <p:style>
+          <a:lnRef idx="2">
+            <a:schemeClr val="accent1">
+              <a:shade val="50000"/>
+            </a:schemeClr>
+          </a:lnRef>
+          <a:fillRef idx="1">
+            <a:schemeClr val="accent1"/>
+          </a:fillRef>
+          <a:effectRef idx="0">
+            <a:schemeClr val="accent1"/>
+          </a:effectRef>
+          <a:fontRef idx="minor">
+            <a:schemeClr val="lt1"/>
+          </a:fontRef>
+        </p:style>
+        <p:txBody>
+          <a:bodyPr rtlCol="0" anchor="ctr"/>
+          <a:p>
+            <a:pPr algn="ctr"/>
+            <a:r>
+              <a:rPr lang="en-US" altLang="zh-CN">
+                <a:solidFill>
+                  <a:schemeClr val="tx1"/>
+                </a:solidFill>
+              </a:rPr>
+              <a:t>DB</a:t>
+            </a:r>
+            <a:endParaRPr lang="en-US" altLang="zh-CN">
+              <a:solidFill>
+                <a:schemeClr val="tx1"/>
+              </a:solidFill>
+            </a:endParaRPr>
+          </a:p>
+        </p:txBody>
+      </p:sp>
+      <p:sp>
+        <p:nvSpPr>
+          <p:cNvPr id="7" name="矩形 6"/>
+          <p:cNvSpPr/>
+          <p:nvPr/>
+        </p:nvSpPr>
+        <p:spPr>
+          <a:xfrm>
+            <a:off x="2580640" y="1354455"/>
+            <a:ext cx="1292225" cy="1651635"/>
+          </a:xfrm>
+          <a:prstGeom prst="rect">
+            <a:avLst/>
+          </a:prstGeom>
+          <a:solidFill>
+            <a:schemeClr val="accent6">
+              <a:lumMod val="40000"/>
+              <a:lumOff val="60000"/>
+            </a:schemeClr>
+          </a:solidFill>
+          <a:ln w="15875">
+            <a:solidFill>
+              <a:schemeClr val="tx1"/>
+            </a:solidFill>
+          </a:ln>
+        </p:spPr>
+        <p:style>
+          <a:lnRef idx="2">
+            <a:schemeClr val="accent1">
+              <a:shade val="50000"/>
+            </a:schemeClr>
+          </a:lnRef>
+          <a:fillRef idx="1">
+            <a:schemeClr val="accent1"/>
+          </a:fillRef>
+          <a:effectRef idx="0">
+            <a:schemeClr val="accent1"/>
+          </a:effectRef>
+          <a:fontRef idx="minor">
+            <a:schemeClr val="lt1"/>
+          </a:fontRef>
+        </p:style>
+        <p:txBody>
+          <a:bodyPr rtlCol="0" anchor="ctr"/>
+          <a:p>
+            <a:pPr algn="ctr"/>
+            <a:r>
+              <a:rPr lang="en-US" altLang="zh-CN">
+                <a:solidFill>
+                  <a:schemeClr val="tx1"/>
+                </a:solidFill>
+              </a:rPr>
+              <a:t>Client</a:t>
+            </a:r>
+            <a:endParaRPr lang="en-US" altLang="zh-CN">
+              <a:solidFill>
+                <a:schemeClr val="tx1"/>
+              </a:solidFill>
+            </a:endParaRPr>
+          </a:p>
+        </p:txBody>
+      </p:sp>
     </p:spTree>
   </p:cSld>
   <p:clrMapOvr>
@@ -7933,4 +8703,263 @@
     </a:ext>
   </a:extLst>
 </a:theme>
+</file>
+
+<file path=ppt/theme/theme2.xml><?xml version="1.0" encoding="utf-8"?>
+<a:theme xmlns:a="http://schemas.openxmlformats.org/drawingml/2006/main" name="Office 主题">
+  <a:themeElements>
+    <a:clrScheme name="Office">
+      <a:dk1>
+        <a:sysClr val="windowText" lastClr="000000"/>
+      </a:dk1>
+      <a:lt1>
+        <a:sysClr val="window" lastClr="FFFFFF"/>
+      </a:lt1>
+      <a:dk2>
+        <a:srgbClr val="44546A"/>
+      </a:dk2>
+      <a:lt2>
+        <a:srgbClr val="E7E6E6"/>
+      </a:lt2>
+      <a:accent1>
+        <a:srgbClr val="5B9BD5"/>
+      </a:accent1>
+      <a:accent2>
+        <a:srgbClr val="ED7D31"/>
+      </a:accent2>
+      <a:accent3>
+        <a:srgbClr val="A5A5A5"/>
+      </a:accent3>
+      <a:accent4>
+        <a:srgbClr val="FFC000"/>
+      </a:accent4>
+      <a:accent5>
+        <a:srgbClr val="4472C4"/>
+      </a:accent5>
+      <a:accent6>
+        <a:srgbClr val="70AD47"/>
+      </a:accent6>
+      <a:hlink>
+        <a:srgbClr val="0563C1"/>
+      </a:hlink>
+      <a:folHlink>
+        <a:srgbClr val="954F72"/>
+      </a:folHlink>
+    </a:clrScheme>
+    <a:fontScheme name="Office">
+      <a:majorFont>
+        <a:latin typeface="Calibri Light"/>
+        <a:ea typeface=""/>
+        <a:cs typeface=""/>
+        <a:font script="Jpan" typeface="ＭＳ Ｐゴシック"/>
+        <a:font script="Hang" typeface="맑은 고딕"/>
+        <a:font script="Hans" typeface="宋体"/>
+        <a:font script="Hant" typeface="新細明體"/>
+        <a:font script="Arab" typeface="Times New Roman"/>
+        <a:font script="Hebr" typeface="Times New Roman"/>
+        <a:font script="Thai" typeface="Angsana New"/>
+        <a:font script="Ethi" typeface="Nyala"/>
+        <a:font script="Beng" typeface="Vrinda"/>
+        <a:font script="Gujr" typeface="Shruti"/>
+        <a:font script="Khmr" typeface="MoolBoran"/>
+        <a:font script="Knda" typeface="Tunga"/>
+        <a:font script="Guru" typeface="Raavi"/>
+        <a:font script="Cans" typeface="Euphemia"/>
+        <a:font script="Cher" typeface="Plantagenet Cherokee"/>
+        <a:font script="Yiii" typeface="Microsoft Yi Baiti"/>
+        <a:font script="Tibt" typeface="Microsoft Himalaya"/>
+        <a:font script="Thaa" typeface="MV Boli"/>
+        <a:font script="Deva" typeface="Mangal"/>
+        <a:font script="Telu" typeface="Gautami"/>
+        <a:font script="Taml" typeface="Latha"/>
+        <a:font script="Syrc" typeface="Estrangelo Edessa"/>
+        <a:font script="Orya" typeface="Kalinga"/>
+        <a:font script="Mlym" typeface="Kartika"/>
+        <a:font script="Laoo" typeface="DokChampa"/>
+        <a:font script="Sinh" typeface="Iskoola Pota"/>
+        <a:font script="Mong" typeface="Mongolian Baiti"/>
+        <a:font script="Viet" typeface="Times New Roman"/>
+        <a:font script="Uigh" typeface="Microsoft Uighur"/>
+        <a:font script="Geor" typeface="Sylfaen"/>
+      </a:majorFont>
+      <a:minorFont>
+        <a:latin typeface="Calibri"/>
+        <a:ea typeface=""/>
+        <a:cs typeface=""/>
+        <a:font script="Jpan" typeface="ＭＳ Ｐゴシック"/>
+        <a:font script="Hang" typeface="맑은 고딕"/>
+        <a:font script="Hans" typeface="宋体"/>
+        <a:font script="Hant" typeface="新細明體"/>
+        <a:font script="Arab" typeface="Arial"/>
+        <a:font script="Hebr" typeface="Arial"/>
+        <a:font script="Thai" typeface="Cordia New"/>
+        <a:font script="Ethi" typeface="Nyala"/>
+        <a:font script="Beng" typeface="Vrinda"/>
+        <a:font script="Gujr" typeface="Shruti"/>
+        <a:font script="Khmr" typeface="DaunPenh"/>
+        <a:font script="Knda" typeface="Tunga"/>
+        <a:font script="Guru" typeface="Raavi"/>
+        <a:font script="Cans" typeface="Euphemia"/>
+        <a:font script="Cher" typeface="Plantagenet Cherokee"/>
+        <a:font script="Yiii" typeface="Microsoft Yi Baiti"/>
+        <a:font script="Tibt" typeface="Microsoft Himalaya"/>
+        <a:font script="Thaa" typeface="MV Boli"/>
+        <a:font script="Deva" typeface="Mangal"/>
+        <a:font script="Telu" typeface="Gautami"/>
+        <a:font script="Taml" typeface="Latha"/>
+        <a:font script="Syrc" typeface="Estrangelo Edessa"/>
+        <a:font script="Orya" typeface="Kalinga"/>
+        <a:font script="Mlym" typeface="Kartika"/>
+        <a:font script="Laoo" typeface="DokChampa"/>
+        <a:font script="Sinh" typeface="Iskoola Pota"/>
+        <a:font script="Mong" typeface="Mongolian Baiti"/>
+        <a:font script="Viet" typeface="Arial"/>
+        <a:font script="Uigh" typeface="Microsoft Uighur"/>
+        <a:font script="Geor" typeface="Sylfaen"/>
+      </a:minorFont>
+    </a:fontScheme>
+    <a:fmtScheme name="Office">
+      <a:fillStyleLst>
+        <a:solidFill>
+          <a:schemeClr val="phClr"/>
+        </a:solidFill>
+        <a:gradFill rotWithShape="1">
+          <a:gsLst>
+            <a:gs pos="0">
+              <a:schemeClr val="phClr">
+                <a:lumMod val="110000"/>
+                <a:satMod val="105000"/>
+                <a:tint val="67000"/>
+              </a:schemeClr>
+            </a:gs>
+            <a:gs pos="50000">
+              <a:schemeClr val="phClr">
+                <a:lumMod val="105000"/>
+                <a:satMod val="103000"/>
+                <a:tint val="73000"/>
+              </a:schemeClr>
+            </a:gs>
+            <a:gs pos="100000">
+              <a:schemeClr val="phClr">
+                <a:lumMod val="105000"/>
+                <a:satMod val="109000"/>
+                <a:tint val="81000"/>
+              </a:schemeClr>
+            </a:gs>
+          </a:gsLst>
+          <a:lin ang="5400000" scaled="0"/>
+        </a:gradFill>
+        <a:gradFill rotWithShape="1">
+          <a:gsLst>
+            <a:gs pos="0">
+              <a:schemeClr val="phClr">
+                <a:satMod val="103000"/>
+                <a:lumMod val="102000"/>
+                <a:tint val="94000"/>
+              </a:schemeClr>
+            </a:gs>
+            <a:gs pos="50000">
+              <a:schemeClr val="phClr">
+                <a:satMod val="110000"/>
+                <a:lumMod val="100000"/>
+                <a:shade val="100000"/>
+              </a:schemeClr>
+            </a:gs>
+            <a:gs pos="100000">
+              <a:schemeClr val="phClr">
+                <a:lumMod val="99000"/>
+                <a:satMod val="120000"/>
+                <a:shade val="78000"/>
+              </a:schemeClr>
+            </a:gs>
+          </a:gsLst>
+          <a:lin ang="5400000" scaled="0"/>
+        </a:gradFill>
+      </a:fillStyleLst>
+      <a:lnStyleLst>
+        <a:ln w="6350" cap="flat" cmpd="sng" algn="ctr">
+          <a:solidFill>
+            <a:schemeClr val="phClr"/>
+          </a:solidFill>
+          <a:prstDash val="solid"/>
+          <a:miter lim="800000"/>
+        </a:ln>
+        <a:ln w="12700" cap="flat" cmpd="sng" algn="ctr">
+          <a:solidFill>
+            <a:schemeClr val="phClr"/>
+          </a:solidFill>
+          <a:prstDash val="solid"/>
+          <a:miter lim="800000"/>
+        </a:ln>
+        <a:ln w="19050" cap="flat" cmpd="sng" algn="ctr">
+          <a:solidFill>
+            <a:schemeClr val="phClr"/>
+          </a:solidFill>
+          <a:prstDash val="solid"/>
+          <a:miter lim="800000"/>
+        </a:ln>
+      </a:lnStyleLst>
+      <a:effectStyleLst>
+        <a:effectStyle>
+          <a:effectLst/>
+        </a:effectStyle>
+        <a:effectStyle>
+          <a:effectLst/>
+        </a:effectStyle>
+        <a:effectStyle>
+          <a:effectLst>
+            <a:outerShdw blurRad="57150" dist="19050" dir="5400000" algn="ctr" rotWithShape="0">
+              <a:srgbClr val="000000">
+                <a:alpha val="63000"/>
+              </a:srgbClr>
+            </a:outerShdw>
+          </a:effectLst>
+        </a:effectStyle>
+      </a:effectStyleLst>
+      <a:bgFillStyleLst>
+        <a:solidFill>
+          <a:schemeClr val="phClr"/>
+        </a:solidFill>
+        <a:solidFill>
+          <a:schemeClr val="phClr">
+            <a:tint val="95000"/>
+            <a:satMod val="170000"/>
+          </a:schemeClr>
+        </a:solidFill>
+        <a:gradFill rotWithShape="1">
+          <a:gsLst>
+            <a:gs pos="0">
+              <a:schemeClr val="phClr">
+                <a:tint val="93000"/>
+                <a:satMod val="150000"/>
+                <a:shade val="98000"/>
+                <a:lumMod val="102000"/>
+              </a:schemeClr>
+            </a:gs>
+            <a:gs pos="50000">
+              <a:schemeClr val="phClr">
+                <a:tint val="98000"/>
+                <a:satMod val="130000"/>
+                <a:shade val="90000"/>
+                <a:lumMod val="103000"/>
+              </a:schemeClr>
+            </a:gs>
+            <a:gs pos="100000">
+              <a:schemeClr val="phClr">
+                <a:shade val="63000"/>
+                <a:satMod val="120000"/>
+              </a:schemeClr>
+            </a:gs>
+          </a:gsLst>
+          <a:lin ang="5400000" scaled="0"/>
+        </a:gradFill>
+      </a:bgFillStyleLst>
+    </a:fmtScheme>
+  </a:themeElements>
+  <a:extLst>
+    <a:ext uri="{05A4C25C-085E-4340-85A3-A5531E510DB2}">
+      <thm15:themeFamily xmlns:thm15="http://schemas.microsoft.com/office/thememl/2012/main" name="Office Theme" id="{62F939B6-93AF-4DB8-9C6B-D6C7DFDC589F}" vid="{4A3C46E8-61CC-4603-A589-7422A47A8E4A}"/>
+    </a:ext>
+  </a:extLst>
+</a:theme>
 </file>